--- a/Poster.pptx
+++ b/Poster.pptx
@@ -236,7 +236,7 @@
           <a:p>
             <a:fld id="{A2EBBD93-5AA4-40A1-B553-A116A13C0038}" type="datetimeFigureOut">
               <a:rPr lang="en-GB" smtClean="0"/>
-              <a:t>23/06/2025</a:t>
+              <a:t>24/06/2025</a:t>
             </a:fld>
             <a:endParaRPr lang="en-GB"/>
           </a:p>
@@ -547,7 +547,20 @@
           <a:bodyPr/>
           <a:lstStyle/>
           <a:p>
-            <a:endParaRPr lang="en-GB" dirty="0"/>
+            <a:r>
+              <a:rPr lang="en-GB" dirty="0" err="1"/>
+              <a:t>Png</a:t>
+            </a:r>
+            <a:r>
+              <a:rPr lang="en-GB" dirty="0"/>
+              <a:t> transparent background for badgers#</a:t>
+            </a:r>
+          </a:p>
+          <a:p>
+            <a:r>
+              <a:rPr lang="en-GB" dirty="0"/>
+              <a:t>Title , authors, </a:t>
+            </a:r>
           </a:p>
         </p:txBody>
       </p:sp>
@@ -718,7 +731,7 @@
           <a:p>
             <a:fld id="{DC22AD87-781C-4C8B-93B5-EC941C31C36B}" type="datetimeFigureOut">
               <a:rPr lang="en-GB" smtClean="0"/>
-              <a:t>23/06/2025</a:t>
+              <a:t>24/06/2025</a:t>
             </a:fld>
             <a:endParaRPr lang="en-GB"/>
           </a:p>
@@ -888,7 +901,7 @@
           <a:p>
             <a:fld id="{DC22AD87-781C-4C8B-93B5-EC941C31C36B}" type="datetimeFigureOut">
               <a:rPr lang="en-GB" smtClean="0"/>
-              <a:t>23/06/2025</a:t>
+              <a:t>24/06/2025</a:t>
             </a:fld>
             <a:endParaRPr lang="en-GB"/>
           </a:p>
@@ -1068,7 +1081,7 @@
           <a:p>
             <a:fld id="{DC22AD87-781C-4C8B-93B5-EC941C31C36B}" type="datetimeFigureOut">
               <a:rPr lang="en-GB" smtClean="0"/>
-              <a:t>23/06/2025</a:t>
+              <a:t>24/06/2025</a:t>
             </a:fld>
             <a:endParaRPr lang="en-GB"/>
           </a:p>
@@ -1238,7 +1251,7 @@
           <a:p>
             <a:fld id="{DC22AD87-781C-4C8B-93B5-EC941C31C36B}" type="datetimeFigureOut">
               <a:rPr lang="en-GB" smtClean="0"/>
-              <a:t>23/06/2025</a:t>
+              <a:t>24/06/2025</a:t>
             </a:fld>
             <a:endParaRPr lang="en-GB"/>
           </a:p>
@@ -1484,7 +1497,7 @@
           <a:p>
             <a:fld id="{DC22AD87-781C-4C8B-93B5-EC941C31C36B}" type="datetimeFigureOut">
               <a:rPr lang="en-GB" smtClean="0"/>
-              <a:t>23/06/2025</a:t>
+              <a:t>24/06/2025</a:t>
             </a:fld>
             <a:endParaRPr lang="en-GB"/>
           </a:p>
@@ -1716,7 +1729,7 @@
           <a:p>
             <a:fld id="{DC22AD87-781C-4C8B-93B5-EC941C31C36B}" type="datetimeFigureOut">
               <a:rPr lang="en-GB" smtClean="0"/>
-              <a:t>23/06/2025</a:t>
+              <a:t>24/06/2025</a:t>
             </a:fld>
             <a:endParaRPr lang="en-GB"/>
           </a:p>
@@ -2083,7 +2096,7 @@
           <a:p>
             <a:fld id="{DC22AD87-781C-4C8B-93B5-EC941C31C36B}" type="datetimeFigureOut">
               <a:rPr lang="en-GB" smtClean="0"/>
-              <a:t>23/06/2025</a:t>
+              <a:t>24/06/2025</a:t>
             </a:fld>
             <a:endParaRPr lang="en-GB"/>
           </a:p>
@@ -2201,7 +2214,7 @@
           <a:p>
             <a:fld id="{DC22AD87-781C-4C8B-93B5-EC941C31C36B}" type="datetimeFigureOut">
               <a:rPr lang="en-GB" smtClean="0"/>
-              <a:t>23/06/2025</a:t>
+              <a:t>24/06/2025</a:t>
             </a:fld>
             <a:endParaRPr lang="en-GB"/>
           </a:p>
@@ -2296,7 +2309,7 @@
           <a:p>
             <a:fld id="{DC22AD87-781C-4C8B-93B5-EC941C31C36B}" type="datetimeFigureOut">
               <a:rPr lang="en-GB" smtClean="0"/>
-              <a:t>23/06/2025</a:t>
+              <a:t>24/06/2025</a:t>
             </a:fld>
             <a:endParaRPr lang="en-GB"/>
           </a:p>
@@ -2573,7 +2586,7 @@
           <a:p>
             <a:fld id="{DC22AD87-781C-4C8B-93B5-EC941C31C36B}" type="datetimeFigureOut">
               <a:rPr lang="en-GB" smtClean="0"/>
-              <a:t>23/06/2025</a:t>
+              <a:t>24/06/2025</a:t>
             </a:fld>
             <a:endParaRPr lang="en-GB"/>
           </a:p>
@@ -2830,7 +2843,7 @@
           <a:p>
             <a:fld id="{DC22AD87-781C-4C8B-93B5-EC941C31C36B}" type="datetimeFigureOut">
               <a:rPr lang="en-GB" smtClean="0"/>
-              <a:t>23/06/2025</a:t>
+              <a:t>24/06/2025</a:t>
             </a:fld>
             <a:endParaRPr lang="en-GB"/>
           </a:p>
@@ -3043,7 +3056,7 @@
           <a:p>
             <a:fld id="{DC22AD87-781C-4C8B-93B5-EC941C31C36B}" type="datetimeFigureOut">
               <a:rPr lang="en-GB" smtClean="0"/>
-              <a:t>23/06/2025</a:t>
+              <a:t>24/06/2025</a:t>
             </a:fld>
             <a:endParaRPr lang="en-GB"/>
           </a:p>
@@ -3462,8 +3475,8 @@
         </p:nvSpPr>
         <p:spPr>
           <a:xfrm>
-            <a:off x="665953" y="750476"/>
-            <a:ext cx="26910426" cy="4846994"/>
+            <a:off x="200089" y="750476"/>
+            <a:ext cx="27376290" cy="4846994"/>
           </a:xfrm>
           <a:prstGeom prst="rect">
             <a:avLst/>
@@ -3517,8 +3530,8 @@
         </p:nvSpPr>
         <p:spPr>
           <a:xfrm>
-            <a:off x="590043" y="36846982"/>
-            <a:ext cx="26986336" cy="5338327"/>
+            <a:off x="200089" y="36846982"/>
+            <a:ext cx="27376290" cy="5338327"/>
           </a:xfrm>
           <a:prstGeom prst="rect">
             <a:avLst/>
@@ -3572,8 +3585,8 @@
         </p:nvGrpSpPr>
         <p:grpSpPr>
           <a:xfrm>
-            <a:off x="1018585" y="11211588"/>
-            <a:ext cx="28438100" cy="25268159"/>
+            <a:off x="1018585" y="6077126"/>
+            <a:ext cx="28438100" cy="30402622"/>
             <a:chOff x="765498" y="15755251"/>
             <a:chExt cx="28854278" cy="23270878"/>
           </a:xfrm>
@@ -4357,7 +4370,7 @@
         </p:nvSpPr>
         <p:spPr>
           <a:xfrm>
-            <a:off x="200089" y="18056410"/>
+            <a:off x="245020" y="17725062"/>
             <a:ext cx="29374127" cy="5173579"/>
           </a:xfrm>
           <a:prstGeom prst="rect">
@@ -4491,7 +4504,7 @@
         </p:nvGrpSpPr>
         <p:grpSpPr>
           <a:xfrm>
-            <a:off x="699332" y="27582532"/>
+            <a:off x="1018585" y="27446953"/>
             <a:ext cx="7181066" cy="6613435"/>
             <a:chOff x="430496" y="22576677"/>
             <a:chExt cx="7181066" cy="6613435"/>
@@ -4695,7 +4708,7 @@
         </p:blipFill>
         <p:spPr bwMode="auto">
           <a:xfrm>
-            <a:off x="27608641" y="600692"/>
+            <a:off x="27734477" y="673711"/>
             <a:ext cx="2143125" cy="2143125"/>
           </a:xfrm>
           <a:prstGeom prst="rect">
@@ -4742,7 +4755,7 @@
         </p:blipFill>
         <p:spPr bwMode="auto">
           <a:xfrm>
-            <a:off x="27831874" y="2742960"/>
+            <a:off x="766977" y="40576912"/>
             <a:ext cx="1476375" cy="1476375"/>
           </a:xfrm>
           <a:prstGeom prst="rect">
@@ -4789,7 +4802,7 @@
         </p:blipFill>
         <p:spPr bwMode="auto">
           <a:xfrm>
-            <a:off x="27831873" y="4180237"/>
+            <a:off x="2852841" y="40625372"/>
             <a:ext cx="1476375" cy="1438275"/>
           </a:xfrm>
           <a:prstGeom prst="rect">
@@ -4950,867 +4963,6 @@
       </p:sp>
       <p:grpSp>
         <p:nvGrpSpPr>
-          <p:cNvPr id="1222" name="Group 1221">
-            <a:extLst>
-              <a:ext uri="{FF2B5EF4-FFF2-40B4-BE49-F238E27FC236}">
-                <a16:creationId xmlns:a16="http://schemas.microsoft.com/office/drawing/2014/main" id="{DF5B5033-CCE7-F833-92CB-E7FB8EE36BD8}"/>
-              </a:ext>
-            </a:extLst>
-          </p:cNvPr>
-          <p:cNvGrpSpPr/>
-          <p:nvPr/>
-        </p:nvGrpSpPr>
-        <p:grpSpPr>
-          <a:xfrm>
-            <a:off x="1058922" y="14420126"/>
-            <a:ext cx="6484358" cy="1859463"/>
-            <a:chOff x="940687" y="16499793"/>
-            <a:chExt cx="3228493" cy="2304255"/>
-          </a:xfrm>
-        </p:grpSpPr>
-        <p:sp>
-          <p:nvSpPr>
-            <p:cNvPr id="1220" name="Rectangle 1219">
-              <a:extLst>
-                <a:ext uri="{FF2B5EF4-FFF2-40B4-BE49-F238E27FC236}">
-                  <a16:creationId xmlns:a16="http://schemas.microsoft.com/office/drawing/2014/main" id="{92FF05CD-A1A0-BD3A-1DC3-8BE1C7E82D69}"/>
-                </a:ext>
-              </a:extLst>
-            </p:cNvPr>
-            <p:cNvSpPr/>
-            <p:nvPr/>
-          </p:nvSpPr>
-          <p:spPr>
-            <a:xfrm>
-              <a:off x="940689" y="16499793"/>
-              <a:ext cx="3228491" cy="1893504"/>
-            </a:xfrm>
-            <a:prstGeom prst="rect">
-              <a:avLst/>
-            </a:prstGeom>
-            <a:solidFill>
-              <a:srgbClr val="D8973C"/>
-            </a:solidFill>
-            <a:ln>
-              <a:noFill/>
-            </a:ln>
-          </p:spPr>
-          <p:style>
-            <a:lnRef idx="2">
-              <a:schemeClr val="accent1">
-                <a:shade val="15000"/>
-              </a:schemeClr>
-            </a:lnRef>
-            <a:fillRef idx="1">
-              <a:schemeClr val="accent1"/>
-            </a:fillRef>
-            <a:effectRef idx="0">
-              <a:schemeClr val="accent1"/>
-            </a:effectRef>
-            <a:fontRef idx="minor">
-              <a:schemeClr val="lt1"/>
-            </a:fontRef>
-          </p:style>
-          <p:txBody>
-            <a:bodyPr rtlCol="0" anchor="ctr"/>
-            <a:lstStyle/>
-            <a:p>
-              <a:pPr marL="800100" lvl="1" indent="-342900">
-                <a:buFont typeface="Arial" panose="020B0604020202020204" pitchFamily="34" charset="0"/>
-                <a:buChar char="•"/>
-              </a:pPr>
-              <a:r>
-                <a:rPr lang="en-GB" sz="2000" b="1" dirty="0">
-                  <a:solidFill>
-                    <a:schemeClr val="bg1"/>
-                  </a:solidFill>
-                  <a:latin typeface="Times New Roman" panose="02020603050405020304" pitchFamily="18" charset="0"/>
-                  <a:cs typeface="Times New Roman" panose="02020603050405020304" pitchFamily="18" charset="0"/>
-                </a:rPr>
-                <a:t>Attractiveness </a:t>
-              </a:r>
-              <a:endParaRPr lang="en-GB" sz="2000" b="1" dirty="0">
-                <a:solidFill>
-                  <a:schemeClr val="bg1"/>
-                </a:solidFill>
-                <a:effectLst/>
-                <a:latin typeface="Times New Roman" panose="02020603050405020304" pitchFamily="18" charset="0"/>
-                <a:cs typeface="Times New Roman" panose="02020603050405020304" pitchFamily="18" charset="0"/>
-              </a:endParaRPr>
-            </a:p>
-            <a:p>
-              <a:pPr marL="800100" lvl="1" indent="-342900">
-                <a:buFont typeface="Arial" panose="020B0604020202020204" pitchFamily="34" charset="0"/>
-                <a:buChar char="•"/>
-              </a:pPr>
-              <a:r>
-                <a:rPr lang="en-GB" sz="2000" b="1" dirty="0">
-                  <a:solidFill>
-                    <a:schemeClr val="bg1"/>
-                  </a:solidFill>
-                  <a:effectLst/>
-                  <a:latin typeface="Times New Roman" panose="02020603050405020304" pitchFamily="18" charset="0"/>
-                  <a:cs typeface="Times New Roman" panose="02020603050405020304" pitchFamily="18" charset="0"/>
-                </a:rPr>
-                <a:t>Trustworthiness </a:t>
-              </a:r>
-            </a:p>
-            <a:p>
-              <a:pPr marL="800100" lvl="1" indent="-342900">
-                <a:buFont typeface="Arial" panose="020B0604020202020204" pitchFamily="34" charset="0"/>
-                <a:buChar char="•"/>
-              </a:pPr>
-              <a:r>
-                <a:rPr lang="en-GB" sz="2000" b="1" dirty="0">
-                  <a:solidFill>
-                    <a:schemeClr val="bg1"/>
-                  </a:solidFill>
-                  <a:latin typeface="Times New Roman" panose="02020603050405020304" pitchFamily="18" charset="0"/>
-                  <a:cs typeface="Times New Roman" panose="02020603050405020304" pitchFamily="18" charset="0"/>
-                </a:rPr>
-                <a:t>Beauty</a:t>
-              </a:r>
-            </a:p>
-            <a:p>
-              <a:pPr marL="800100" lvl="1" indent="-342900">
-                <a:buFont typeface="Arial" panose="020B0604020202020204" pitchFamily="34" charset="0"/>
-                <a:buChar char="•"/>
-              </a:pPr>
-              <a:r>
-                <a:rPr lang="en-GB" sz="2000" b="1" dirty="0">
-                  <a:solidFill>
-                    <a:schemeClr val="bg1"/>
-                  </a:solidFill>
-                  <a:effectLst/>
-                  <a:latin typeface="Times New Roman" panose="02020603050405020304" pitchFamily="18" charset="0"/>
-                  <a:cs typeface="Times New Roman" panose="02020603050405020304" pitchFamily="18" charset="0"/>
-                </a:rPr>
-                <a:t>Familiarity</a:t>
-              </a:r>
-              <a:endParaRPr lang="en-GB" sz="2000" b="1" dirty="0">
-                <a:solidFill>
-                  <a:schemeClr val="bg1"/>
-                </a:solidFill>
-                <a:latin typeface="Times New Roman" panose="02020603050405020304" pitchFamily="18" charset="0"/>
-                <a:cs typeface="Times New Roman" panose="02020603050405020304" pitchFamily="18" charset="0"/>
-              </a:endParaRPr>
-            </a:p>
-          </p:txBody>
-        </p:sp>
-        <p:sp>
-          <p:nvSpPr>
-            <p:cNvPr id="1221" name="Rectangle 1220">
-              <a:extLst>
-                <a:ext uri="{FF2B5EF4-FFF2-40B4-BE49-F238E27FC236}">
-                  <a16:creationId xmlns:a16="http://schemas.microsoft.com/office/drawing/2014/main" id="{CF284B4F-D09A-E09A-E64B-5ECEC61D14C8}"/>
-                </a:ext>
-              </a:extLst>
-            </p:cNvPr>
-            <p:cNvSpPr/>
-            <p:nvPr/>
-          </p:nvSpPr>
-          <p:spPr>
-            <a:xfrm>
-              <a:off x="940687" y="18355175"/>
-              <a:ext cx="3228490" cy="448873"/>
-            </a:xfrm>
-            <a:prstGeom prst="rect">
-              <a:avLst/>
-            </a:prstGeom>
-            <a:solidFill>
-              <a:srgbClr val="9E2A2B"/>
-            </a:solidFill>
-            <a:ln>
-              <a:noFill/>
-            </a:ln>
-          </p:spPr>
-          <p:style>
-            <a:lnRef idx="2">
-              <a:schemeClr val="accent1">
-                <a:shade val="15000"/>
-              </a:schemeClr>
-            </a:lnRef>
-            <a:fillRef idx="1">
-              <a:schemeClr val="accent1"/>
-            </a:fillRef>
-            <a:effectRef idx="0">
-              <a:schemeClr val="accent1"/>
-            </a:effectRef>
-            <a:fontRef idx="minor">
-              <a:schemeClr val="lt1"/>
-            </a:fontRef>
-          </p:style>
-          <p:txBody>
-            <a:bodyPr rtlCol="0" anchor="ctr"/>
-            <a:lstStyle/>
-            <a:p>
-              <a:pPr marL="914400" lvl="1" indent="-457200">
-                <a:buFont typeface="Wingdings" panose="05000000000000000000" pitchFamily="2" charset="2"/>
-                <a:buChar char="§"/>
-              </a:pPr>
-              <a:r>
-                <a:rPr lang="en-GB" sz="2000" b="1" dirty="0">
-                  <a:solidFill>
-                    <a:schemeClr val="bg1"/>
-                  </a:solidFill>
-                  <a:latin typeface="Times New Roman" panose="02020603050405020304" pitchFamily="18" charset="0"/>
-                  <a:cs typeface="Times New Roman" panose="02020603050405020304" pitchFamily="18" charset="0"/>
-                </a:rPr>
-                <a:t>Realness </a:t>
-              </a:r>
-            </a:p>
-          </p:txBody>
-        </p:sp>
-      </p:grpSp>
-      <p:grpSp>
-        <p:nvGrpSpPr>
-          <p:cNvPr id="1263" name="Group 1262">
-            <a:extLst>
-              <a:ext uri="{FF2B5EF4-FFF2-40B4-BE49-F238E27FC236}">
-                <a16:creationId xmlns:a16="http://schemas.microsoft.com/office/drawing/2014/main" id="{6721834A-6C39-F4B0-35E7-44A2DFCB65F6}"/>
-              </a:ext>
-            </a:extLst>
-          </p:cNvPr>
-          <p:cNvGrpSpPr/>
-          <p:nvPr/>
-        </p:nvGrpSpPr>
-        <p:grpSpPr>
-          <a:xfrm>
-            <a:off x="8356089" y="14428475"/>
-            <a:ext cx="6532812" cy="1859466"/>
-            <a:chOff x="940687" y="16499790"/>
-            <a:chExt cx="3228493" cy="2304258"/>
-          </a:xfrm>
-        </p:grpSpPr>
-        <p:sp>
-          <p:nvSpPr>
-            <p:cNvPr id="1264" name="Rectangle 1263">
-              <a:extLst>
-                <a:ext uri="{FF2B5EF4-FFF2-40B4-BE49-F238E27FC236}">
-                  <a16:creationId xmlns:a16="http://schemas.microsoft.com/office/drawing/2014/main" id="{6BBB4C0F-7C4F-F04D-7C32-4FF6F563577A}"/>
-                </a:ext>
-              </a:extLst>
-            </p:cNvPr>
-            <p:cNvSpPr/>
-            <p:nvPr/>
-          </p:nvSpPr>
-          <p:spPr>
-            <a:xfrm>
-              <a:off x="940689" y="16499790"/>
-              <a:ext cx="3228491" cy="1893504"/>
-            </a:xfrm>
-            <a:prstGeom prst="rect">
-              <a:avLst/>
-            </a:prstGeom>
-            <a:solidFill>
-              <a:srgbClr val="D8973C"/>
-            </a:solidFill>
-            <a:ln>
-              <a:noFill/>
-            </a:ln>
-          </p:spPr>
-          <p:style>
-            <a:lnRef idx="2">
-              <a:schemeClr val="accent1">
-                <a:shade val="15000"/>
-              </a:schemeClr>
-            </a:lnRef>
-            <a:fillRef idx="1">
-              <a:schemeClr val="accent1"/>
-            </a:fillRef>
-            <a:effectRef idx="0">
-              <a:schemeClr val="accent1"/>
-            </a:effectRef>
-            <a:fontRef idx="minor">
-              <a:schemeClr val="lt1"/>
-            </a:fontRef>
-          </p:style>
-          <p:txBody>
-            <a:bodyPr rtlCol="0" anchor="ctr"/>
-            <a:lstStyle/>
-            <a:p>
-              <a:pPr marL="800100" lvl="1" indent="-342900">
-                <a:buFont typeface="Arial" panose="020B0604020202020204" pitchFamily="34" charset="0"/>
-                <a:buChar char="•"/>
-              </a:pPr>
-              <a:r>
-                <a:rPr lang="en-GB" sz="2000" b="1" dirty="0">
-                  <a:solidFill>
-                    <a:schemeClr val="bg1"/>
-                  </a:solidFill>
-                  <a:latin typeface="Times New Roman" panose="02020603050405020304" pitchFamily="18" charset="0"/>
-                  <a:cs typeface="Times New Roman" panose="02020603050405020304" pitchFamily="18" charset="0"/>
-                </a:rPr>
-                <a:t>Attractiveness</a:t>
-              </a:r>
-              <a:endParaRPr lang="en-GB" sz="2000" b="1" dirty="0">
-                <a:solidFill>
-                  <a:schemeClr val="bg1"/>
-                </a:solidFill>
-                <a:effectLst/>
-                <a:latin typeface="Times New Roman" panose="02020603050405020304" pitchFamily="18" charset="0"/>
-                <a:cs typeface="Times New Roman" panose="02020603050405020304" pitchFamily="18" charset="0"/>
-              </a:endParaRPr>
-            </a:p>
-            <a:p>
-              <a:pPr marL="800100" lvl="1" indent="-342900">
-                <a:buFont typeface="Arial" panose="020B0604020202020204" pitchFamily="34" charset="0"/>
-                <a:buChar char="•"/>
-              </a:pPr>
-              <a:r>
-                <a:rPr lang="en-GB" sz="2000" b="1" dirty="0">
-                  <a:solidFill>
-                    <a:schemeClr val="bg1"/>
-                  </a:solidFill>
-                  <a:effectLst/>
-                  <a:latin typeface="Times New Roman" panose="02020603050405020304" pitchFamily="18" charset="0"/>
-                  <a:cs typeface="Times New Roman" panose="02020603050405020304" pitchFamily="18" charset="0"/>
-                </a:rPr>
-                <a:t>Trustworthiness </a:t>
-              </a:r>
-            </a:p>
-            <a:p>
-              <a:pPr marL="800100" lvl="1" indent="-342900">
-                <a:buFont typeface="Arial" panose="020B0604020202020204" pitchFamily="34" charset="0"/>
-                <a:buChar char="•"/>
-              </a:pPr>
-              <a:r>
-                <a:rPr lang="en-GB" sz="2000" b="1" dirty="0">
-                  <a:solidFill>
-                    <a:schemeClr val="bg1"/>
-                  </a:solidFill>
-                  <a:latin typeface="Times New Roman" panose="02020603050405020304" pitchFamily="18" charset="0"/>
-                  <a:cs typeface="Times New Roman" panose="02020603050405020304" pitchFamily="18" charset="0"/>
-                </a:rPr>
-                <a:t>Beauty</a:t>
-              </a:r>
-            </a:p>
-          </p:txBody>
-        </p:sp>
-        <p:sp>
-          <p:nvSpPr>
-            <p:cNvPr id="1265" name="Rectangle 1264">
-              <a:extLst>
-                <a:ext uri="{FF2B5EF4-FFF2-40B4-BE49-F238E27FC236}">
-                  <a16:creationId xmlns:a16="http://schemas.microsoft.com/office/drawing/2014/main" id="{77828BFC-BF1D-0802-0F50-EB67288138A4}"/>
-                </a:ext>
-              </a:extLst>
-            </p:cNvPr>
-            <p:cNvSpPr/>
-            <p:nvPr/>
-          </p:nvSpPr>
-          <p:spPr>
-            <a:xfrm>
-              <a:off x="940687" y="18355175"/>
-              <a:ext cx="3228490" cy="448873"/>
-            </a:xfrm>
-            <a:prstGeom prst="rect">
-              <a:avLst/>
-            </a:prstGeom>
-            <a:solidFill>
-              <a:srgbClr val="9E2A2B"/>
-            </a:solidFill>
-            <a:ln>
-              <a:noFill/>
-            </a:ln>
-          </p:spPr>
-          <p:style>
-            <a:lnRef idx="2">
-              <a:schemeClr val="accent1">
-                <a:shade val="15000"/>
-              </a:schemeClr>
-            </a:lnRef>
-            <a:fillRef idx="1">
-              <a:schemeClr val="accent1"/>
-            </a:fillRef>
-            <a:effectRef idx="0">
-              <a:schemeClr val="accent1"/>
-            </a:effectRef>
-            <a:fontRef idx="minor">
-              <a:schemeClr val="lt1"/>
-            </a:fontRef>
-          </p:style>
-          <p:txBody>
-            <a:bodyPr rtlCol="0" anchor="ctr"/>
-            <a:lstStyle/>
-            <a:p>
-              <a:pPr marL="914400" lvl="1" indent="-457200">
-                <a:buFont typeface="Wingdings" panose="05000000000000000000" pitchFamily="2" charset="2"/>
-                <a:buChar char="§"/>
-              </a:pPr>
-              <a:r>
-                <a:rPr lang="en-GB" sz="2000" b="1" dirty="0">
-                  <a:solidFill>
-                    <a:schemeClr val="bg1"/>
-                  </a:solidFill>
-                  <a:latin typeface="Times New Roman" panose="02020603050405020304" pitchFamily="18" charset="0"/>
-                  <a:cs typeface="Times New Roman" panose="02020603050405020304" pitchFamily="18" charset="0"/>
-                </a:rPr>
-                <a:t>Realness </a:t>
-              </a:r>
-            </a:p>
-          </p:txBody>
-        </p:sp>
-      </p:grpSp>
-      <p:grpSp>
-        <p:nvGrpSpPr>
-          <p:cNvPr id="1266" name="Group 1265">
-            <a:extLst>
-              <a:ext uri="{FF2B5EF4-FFF2-40B4-BE49-F238E27FC236}">
-                <a16:creationId xmlns:a16="http://schemas.microsoft.com/office/drawing/2014/main" id="{C83049CA-3E49-D4D3-6638-E75FFB3B995C}"/>
-              </a:ext>
-            </a:extLst>
-          </p:cNvPr>
-          <p:cNvGrpSpPr/>
-          <p:nvPr/>
-        </p:nvGrpSpPr>
-        <p:grpSpPr>
-          <a:xfrm>
-            <a:off x="15732845" y="14431732"/>
-            <a:ext cx="6519522" cy="1855030"/>
-            <a:chOff x="940687" y="16499790"/>
-            <a:chExt cx="3228493" cy="2298761"/>
-          </a:xfrm>
-        </p:grpSpPr>
-        <p:sp>
-          <p:nvSpPr>
-            <p:cNvPr id="1267" name="Rectangle 1266">
-              <a:extLst>
-                <a:ext uri="{FF2B5EF4-FFF2-40B4-BE49-F238E27FC236}">
-                  <a16:creationId xmlns:a16="http://schemas.microsoft.com/office/drawing/2014/main" id="{EB447C58-3425-37C3-0311-6C5EB75F9C0D}"/>
-                </a:ext>
-              </a:extLst>
-            </p:cNvPr>
-            <p:cNvSpPr/>
-            <p:nvPr/>
-          </p:nvSpPr>
-          <p:spPr>
-            <a:xfrm>
-              <a:off x="940689" y="16499790"/>
-              <a:ext cx="3228491" cy="1893504"/>
-            </a:xfrm>
-            <a:prstGeom prst="rect">
-              <a:avLst/>
-            </a:prstGeom>
-            <a:solidFill>
-              <a:srgbClr val="D8973C"/>
-            </a:solidFill>
-            <a:ln>
-              <a:noFill/>
-            </a:ln>
-          </p:spPr>
-          <p:style>
-            <a:lnRef idx="2">
-              <a:schemeClr val="accent1">
-                <a:shade val="15000"/>
-              </a:schemeClr>
-            </a:lnRef>
-            <a:fillRef idx="1">
-              <a:schemeClr val="accent1"/>
-            </a:fillRef>
-            <a:effectRef idx="0">
-              <a:schemeClr val="accent1"/>
-            </a:effectRef>
-            <a:fontRef idx="minor">
-              <a:schemeClr val="lt1"/>
-            </a:fontRef>
-          </p:style>
-          <p:txBody>
-            <a:bodyPr rtlCol="0" anchor="ctr"/>
-            <a:lstStyle/>
-            <a:p>
-              <a:pPr marL="800100" lvl="1" indent="-342900">
-                <a:buFont typeface="Arial" panose="020B0604020202020204" pitchFamily="34" charset="0"/>
-                <a:buChar char="•"/>
-              </a:pPr>
-              <a:r>
-                <a:rPr lang="en-GB" sz="2000" b="1" dirty="0">
-                  <a:solidFill>
-                    <a:schemeClr val="bg1"/>
-                  </a:solidFill>
-                  <a:effectLst/>
-                  <a:latin typeface="Times New Roman" panose="02020603050405020304" pitchFamily="18" charset="0"/>
-                  <a:cs typeface="Times New Roman" panose="02020603050405020304" pitchFamily="18" charset="0"/>
-                </a:rPr>
-                <a:t>Arousal</a:t>
-              </a:r>
-              <a:endParaRPr lang="en-GB" sz="2000" i="1" dirty="0">
-                <a:solidFill>
-                  <a:schemeClr val="bg1"/>
-                </a:solidFill>
-                <a:latin typeface="Times New Roman" panose="02020603050405020304" pitchFamily="18" charset="0"/>
-                <a:cs typeface="Times New Roman" panose="02020603050405020304" pitchFamily="18" charset="0"/>
-              </a:endParaRPr>
-            </a:p>
-            <a:p>
-              <a:pPr marL="800100" lvl="1" indent="-342900">
-                <a:buFont typeface="Arial" panose="020B0604020202020204" pitchFamily="34" charset="0"/>
-                <a:buChar char="•"/>
-              </a:pPr>
-              <a:r>
-                <a:rPr lang="en-GB" sz="2000" b="1" dirty="0">
-                  <a:solidFill>
-                    <a:schemeClr val="bg1"/>
-                  </a:solidFill>
-                  <a:effectLst/>
-                  <a:latin typeface="Times New Roman" panose="02020603050405020304" pitchFamily="18" charset="0"/>
-                  <a:cs typeface="Times New Roman" panose="02020603050405020304" pitchFamily="18" charset="0"/>
-                </a:rPr>
-                <a:t>Enticement</a:t>
-              </a:r>
-            </a:p>
-            <a:p>
-              <a:pPr marL="800100" lvl="1" indent="-342900">
-                <a:buFont typeface="Arial" panose="020B0604020202020204" pitchFamily="34" charset="0"/>
-                <a:buChar char="•"/>
-              </a:pPr>
-              <a:r>
-                <a:rPr lang="en-GB" sz="2000" b="1" dirty="0">
-                  <a:solidFill>
-                    <a:schemeClr val="bg1"/>
-                  </a:solidFill>
-                  <a:latin typeface="Times New Roman" panose="02020603050405020304" pitchFamily="18" charset="0"/>
-                  <a:cs typeface="Times New Roman" panose="02020603050405020304" pitchFamily="18" charset="0"/>
-                </a:rPr>
-                <a:t>Valence</a:t>
-              </a:r>
-            </a:p>
-          </p:txBody>
-        </p:sp>
-        <p:sp>
-          <p:nvSpPr>
-            <p:cNvPr id="1268" name="Rectangle 1267">
-              <a:extLst>
-                <a:ext uri="{FF2B5EF4-FFF2-40B4-BE49-F238E27FC236}">
-                  <a16:creationId xmlns:a16="http://schemas.microsoft.com/office/drawing/2014/main" id="{A28AA7FD-9466-BC4A-DD77-E49279C48872}"/>
-                </a:ext>
-              </a:extLst>
-            </p:cNvPr>
-            <p:cNvSpPr/>
-            <p:nvPr/>
-          </p:nvSpPr>
-          <p:spPr>
-            <a:xfrm>
-              <a:off x="940687" y="18355175"/>
-              <a:ext cx="3228490" cy="443376"/>
-            </a:xfrm>
-            <a:prstGeom prst="rect">
-              <a:avLst/>
-            </a:prstGeom>
-            <a:solidFill>
-              <a:srgbClr val="9E2A2B"/>
-            </a:solidFill>
-            <a:ln>
-              <a:noFill/>
-            </a:ln>
-          </p:spPr>
-          <p:style>
-            <a:lnRef idx="2">
-              <a:schemeClr val="accent1">
-                <a:shade val="15000"/>
-              </a:schemeClr>
-            </a:lnRef>
-            <a:fillRef idx="1">
-              <a:schemeClr val="accent1"/>
-            </a:fillRef>
-            <a:effectRef idx="0">
-              <a:schemeClr val="accent1"/>
-            </a:effectRef>
-            <a:fontRef idx="minor">
-              <a:schemeClr val="lt1"/>
-            </a:fontRef>
-          </p:style>
-          <p:txBody>
-            <a:bodyPr rtlCol="0" anchor="ctr"/>
-            <a:lstStyle/>
-            <a:p>
-              <a:pPr marL="914400" lvl="1" indent="-457200">
-                <a:buFont typeface="Wingdings" panose="05000000000000000000" pitchFamily="2" charset="2"/>
-                <a:buChar char="§"/>
-              </a:pPr>
-              <a:r>
-                <a:rPr lang="en-GB" sz="2000" b="1" dirty="0">
-                  <a:solidFill>
-                    <a:schemeClr val="bg1"/>
-                  </a:solidFill>
-                  <a:latin typeface="Times New Roman" panose="02020603050405020304" pitchFamily="18" charset="0"/>
-                  <a:cs typeface="Times New Roman" panose="02020603050405020304" pitchFamily="18" charset="0"/>
-                </a:rPr>
-                <a:t>Realness</a:t>
-              </a:r>
-              <a:endParaRPr lang="en-GB" sz="2000" i="1" dirty="0">
-                <a:solidFill>
-                  <a:schemeClr val="bg1"/>
-                </a:solidFill>
-                <a:latin typeface="Times New Roman" panose="02020603050405020304" pitchFamily="18" charset="0"/>
-                <a:cs typeface="Times New Roman" panose="02020603050405020304" pitchFamily="18" charset="0"/>
-              </a:endParaRPr>
-            </a:p>
-          </p:txBody>
-        </p:sp>
-      </p:grpSp>
-      <p:grpSp>
-        <p:nvGrpSpPr>
-          <p:cNvPr id="1270" name="Group 1269">
-            <a:extLst>
-              <a:ext uri="{FF2B5EF4-FFF2-40B4-BE49-F238E27FC236}">
-                <a16:creationId xmlns:a16="http://schemas.microsoft.com/office/drawing/2014/main" id="{680B316E-5F9B-EA69-5307-773186A772BD}"/>
-              </a:ext>
-            </a:extLst>
-          </p:cNvPr>
-          <p:cNvGrpSpPr/>
-          <p:nvPr/>
-        </p:nvGrpSpPr>
-        <p:grpSpPr>
-          <a:xfrm>
-            <a:off x="22932521" y="14451918"/>
-            <a:ext cx="6496040" cy="1834844"/>
-            <a:chOff x="940687" y="16524805"/>
-            <a:chExt cx="3228493" cy="2273746"/>
-          </a:xfrm>
-        </p:grpSpPr>
-        <p:sp>
-          <p:nvSpPr>
-            <p:cNvPr id="1271" name="Rectangle 1270">
-              <a:extLst>
-                <a:ext uri="{FF2B5EF4-FFF2-40B4-BE49-F238E27FC236}">
-                  <a16:creationId xmlns:a16="http://schemas.microsoft.com/office/drawing/2014/main" id="{BE4CE065-F357-D046-7096-608A64262B38}"/>
-                </a:ext>
-              </a:extLst>
-            </p:cNvPr>
-            <p:cNvSpPr/>
-            <p:nvPr/>
-          </p:nvSpPr>
-          <p:spPr>
-            <a:xfrm>
-              <a:off x="940689" y="16524805"/>
-              <a:ext cx="3228491" cy="1868488"/>
-            </a:xfrm>
-            <a:prstGeom prst="rect">
-              <a:avLst/>
-            </a:prstGeom>
-            <a:solidFill>
-              <a:srgbClr val="D8973C"/>
-            </a:solidFill>
-            <a:ln>
-              <a:noFill/>
-            </a:ln>
-          </p:spPr>
-          <p:style>
-            <a:lnRef idx="2">
-              <a:schemeClr val="accent1">
-                <a:shade val="15000"/>
-              </a:schemeClr>
-            </a:lnRef>
-            <a:fillRef idx="1">
-              <a:schemeClr val="accent1"/>
-            </a:fillRef>
-            <a:effectRef idx="0">
-              <a:schemeClr val="accent1"/>
-            </a:effectRef>
-            <a:fontRef idx="minor">
-              <a:schemeClr val="lt1"/>
-            </a:fontRef>
-          </p:style>
-          <p:txBody>
-            <a:bodyPr rtlCol="0" anchor="ctr"/>
-            <a:lstStyle/>
-            <a:p>
-              <a:pPr marL="800100" lvl="1" indent="-342900">
-                <a:buFont typeface="Arial" panose="020B0604020202020204" pitchFamily="34" charset="0"/>
-                <a:buChar char="•"/>
-              </a:pPr>
-              <a:r>
-                <a:rPr lang="en-GB" sz="2000" b="1" dirty="0">
-                  <a:solidFill>
-                    <a:schemeClr val="bg1"/>
-                  </a:solidFill>
-                  <a:effectLst/>
-                  <a:latin typeface="Times New Roman" panose="02020603050405020304" pitchFamily="18" charset="0"/>
-                  <a:cs typeface="Times New Roman" panose="02020603050405020304" pitchFamily="18" charset="0"/>
-                </a:rPr>
-                <a:t>Arousal </a:t>
-              </a:r>
-            </a:p>
-            <a:p>
-              <a:pPr marL="800100" lvl="1" indent="-342900">
-                <a:buFont typeface="Arial" panose="020B0604020202020204" pitchFamily="34" charset="0"/>
-                <a:buChar char="•"/>
-              </a:pPr>
-              <a:r>
-                <a:rPr lang="en-GB" sz="2000" b="1" dirty="0">
-                  <a:solidFill>
-                    <a:schemeClr val="bg1"/>
-                  </a:solidFill>
-                  <a:effectLst/>
-                  <a:latin typeface="Times New Roman" panose="02020603050405020304" pitchFamily="18" charset="0"/>
-                  <a:cs typeface="Times New Roman" panose="02020603050405020304" pitchFamily="18" charset="0"/>
-                </a:rPr>
-                <a:t>Enticement</a:t>
-              </a:r>
-            </a:p>
-            <a:p>
-              <a:pPr marL="800100" lvl="1" indent="-342900">
-                <a:buFont typeface="Arial" panose="020B0604020202020204" pitchFamily="34" charset="0"/>
-                <a:buChar char="•"/>
-              </a:pPr>
-              <a:r>
-                <a:rPr lang="en-GB" sz="2000" b="1" dirty="0">
-                  <a:solidFill>
-                    <a:schemeClr val="bg1"/>
-                  </a:solidFill>
-                  <a:latin typeface="Times New Roman" panose="02020603050405020304" pitchFamily="18" charset="0"/>
-                  <a:cs typeface="Times New Roman" panose="02020603050405020304" pitchFamily="18" charset="0"/>
-                </a:rPr>
-                <a:t>Valence</a:t>
-              </a:r>
-            </a:p>
-          </p:txBody>
-        </p:sp>
-        <p:sp>
-          <p:nvSpPr>
-            <p:cNvPr id="1272" name="Rectangle 1271">
-              <a:extLst>
-                <a:ext uri="{FF2B5EF4-FFF2-40B4-BE49-F238E27FC236}">
-                  <a16:creationId xmlns:a16="http://schemas.microsoft.com/office/drawing/2014/main" id="{14FED80D-31EB-2407-8E81-FC460DC92A43}"/>
-                </a:ext>
-              </a:extLst>
-            </p:cNvPr>
-            <p:cNvSpPr/>
-            <p:nvPr/>
-          </p:nvSpPr>
-          <p:spPr>
-            <a:xfrm>
-              <a:off x="940687" y="18355175"/>
-              <a:ext cx="3228490" cy="443376"/>
-            </a:xfrm>
-            <a:prstGeom prst="rect">
-              <a:avLst/>
-            </a:prstGeom>
-            <a:solidFill>
-              <a:srgbClr val="9E2A2B"/>
-            </a:solidFill>
-            <a:ln>
-              <a:noFill/>
-            </a:ln>
-          </p:spPr>
-          <p:style>
-            <a:lnRef idx="2">
-              <a:schemeClr val="accent1">
-                <a:shade val="15000"/>
-              </a:schemeClr>
-            </a:lnRef>
-            <a:fillRef idx="1">
-              <a:schemeClr val="accent1"/>
-            </a:fillRef>
-            <a:effectRef idx="0">
-              <a:schemeClr val="accent1"/>
-            </a:effectRef>
-            <a:fontRef idx="minor">
-              <a:schemeClr val="lt1"/>
-            </a:fontRef>
-          </p:style>
-          <p:txBody>
-            <a:bodyPr rtlCol="0" anchor="ctr"/>
-            <a:lstStyle/>
-            <a:p>
-              <a:pPr marL="914400" lvl="1" indent="-457200">
-                <a:buFont typeface="Wingdings" panose="05000000000000000000" pitchFamily="2" charset="2"/>
-                <a:buChar char="§"/>
-              </a:pPr>
-              <a:r>
-                <a:rPr lang="en-GB" sz="2000" b="1" dirty="0">
-                  <a:solidFill>
-                    <a:schemeClr val="bg1"/>
-                  </a:solidFill>
-                  <a:latin typeface="Times New Roman" panose="02020603050405020304" pitchFamily="18" charset="0"/>
-                  <a:cs typeface="Times New Roman" panose="02020603050405020304" pitchFamily="18" charset="0"/>
-                </a:rPr>
-                <a:t>Realness </a:t>
-              </a:r>
-            </a:p>
-          </p:txBody>
-        </p:sp>
-      </p:grpSp>
-      <p:sp>
-        <p:nvSpPr>
-          <p:cNvPr id="1300" name="Rectangle 1299">
-            <a:extLst>
-              <a:ext uri="{FF2B5EF4-FFF2-40B4-BE49-F238E27FC236}">
-                <a16:creationId xmlns:a16="http://schemas.microsoft.com/office/drawing/2014/main" id="{33DB1603-794C-AC46-F2F7-6968F1CDCDC7}"/>
-              </a:ext>
-            </a:extLst>
-          </p:cNvPr>
-          <p:cNvSpPr/>
-          <p:nvPr/>
-        </p:nvSpPr>
-        <p:spPr>
-          <a:xfrm>
-            <a:off x="1023041" y="16575125"/>
-            <a:ext cx="6522491" cy="587082"/>
-          </a:xfrm>
-          <a:prstGeom prst="rect">
-            <a:avLst/>
-          </a:prstGeom>
-          <a:solidFill>
-            <a:srgbClr val="D8C99B"/>
-          </a:solidFill>
-          <a:ln>
-            <a:noFill/>
-          </a:ln>
-        </p:spPr>
-        <p:style>
-          <a:lnRef idx="2">
-            <a:schemeClr val="accent1">
-              <a:shade val="15000"/>
-            </a:schemeClr>
-          </a:lnRef>
-          <a:fillRef idx="1">
-            <a:schemeClr val="accent1"/>
-          </a:fillRef>
-          <a:effectRef idx="0">
-            <a:schemeClr val="accent1"/>
-          </a:effectRef>
-          <a:fontRef idx="minor">
-            <a:schemeClr val="lt1"/>
-          </a:fontRef>
-        </p:style>
-        <p:txBody>
-          <a:bodyPr rtlCol="0" anchor="ctr"/>
-          <a:lstStyle/>
-          <a:p>
-            <a:r>
-              <a:rPr lang="en-GB" sz="2400" b="1" i="1" dirty="0">
-                <a:solidFill>
-                  <a:schemeClr val="tx1"/>
-                </a:solidFill>
-                <a:latin typeface="Times New Roman" panose="02020603050405020304" pitchFamily="18" charset="0"/>
-                <a:cs typeface="Times New Roman" panose="02020603050405020304" pitchFamily="18" charset="0"/>
-              </a:rPr>
-              <a:t>Stimuli</a:t>
-            </a:r>
-            <a:r>
-              <a:rPr lang="en-GB" sz="2400" b="1" dirty="0">
-                <a:solidFill>
-                  <a:schemeClr val="tx1"/>
-                </a:solidFill>
-                <a:latin typeface="Times New Roman" panose="02020603050405020304" pitchFamily="18" charset="0"/>
-                <a:cs typeface="Times New Roman" panose="02020603050405020304" pitchFamily="18" charset="0"/>
-              </a:rPr>
-              <a:t>: NEUTRAL FACES</a:t>
-            </a:r>
-            <a:endParaRPr lang="en-GB" sz="1400" b="1" dirty="0">
-              <a:solidFill>
-                <a:schemeClr val="tx1"/>
-              </a:solidFill>
-              <a:latin typeface="Times New Roman" panose="02020603050405020304" pitchFamily="18" charset="0"/>
-              <a:cs typeface="Times New Roman" panose="02020603050405020304" pitchFamily="18" charset="0"/>
-            </a:endParaRPr>
-          </a:p>
-        </p:txBody>
-      </p:sp>
-      <p:grpSp>
-        <p:nvGrpSpPr>
           <p:cNvPr id="1328" name="Group 1327">
             <a:extLst>
               <a:ext uri="{FF2B5EF4-FFF2-40B4-BE49-F238E27FC236}">
@@ -5823,7 +4975,7 @@
         </p:nvGrpSpPr>
         <p:grpSpPr>
           <a:xfrm>
-            <a:off x="721227" y="6565830"/>
+            <a:off x="1067971" y="13301267"/>
             <a:ext cx="28852989" cy="3753686"/>
             <a:chOff x="903629" y="6587159"/>
             <a:chExt cx="28973603" cy="3753686"/>
@@ -8151,160 +7303,6 @@
       </p:grpSp>
       <p:sp>
         <p:nvSpPr>
-          <p:cNvPr id="1306" name="Rectangle 1305">
-            <a:extLst>
-              <a:ext uri="{FF2B5EF4-FFF2-40B4-BE49-F238E27FC236}">
-                <a16:creationId xmlns:a16="http://schemas.microsoft.com/office/drawing/2014/main" id="{0FD41EAA-CA3A-B05A-9E13-6964664D5430}"/>
-              </a:ext>
-            </a:extLst>
-          </p:cNvPr>
-          <p:cNvSpPr/>
-          <p:nvPr/>
-        </p:nvSpPr>
-        <p:spPr>
-          <a:xfrm>
-            <a:off x="15732845" y="16574769"/>
-            <a:ext cx="6534569" cy="583573"/>
-          </a:xfrm>
-          <a:prstGeom prst="rect">
-            <a:avLst/>
-          </a:prstGeom>
-          <a:solidFill>
-            <a:srgbClr val="D8C99B"/>
-          </a:solidFill>
-          <a:ln>
-            <a:noFill/>
-          </a:ln>
-        </p:spPr>
-        <p:style>
-          <a:lnRef idx="2">
-            <a:schemeClr val="accent1">
-              <a:shade val="15000"/>
-            </a:schemeClr>
-          </a:lnRef>
-          <a:fillRef idx="1">
-            <a:schemeClr val="accent1"/>
-          </a:fillRef>
-          <a:effectRef idx="0">
-            <a:schemeClr val="accent1"/>
-          </a:effectRef>
-          <a:fontRef idx="minor">
-            <a:schemeClr val="lt1"/>
-          </a:fontRef>
-        </p:style>
-        <p:txBody>
-          <a:bodyPr rtlCol="0" anchor="ctr"/>
-          <a:lstStyle/>
-          <a:p>
-            <a:r>
-              <a:rPr lang="en-GB" sz="2400" b="1" i="1" dirty="0">
-                <a:solidFill>
-                  <a:schemeClr val="tx1"/>
-                </a:solidFill>
-                <a:latin typeface="Times New Roman" panose="02020603050405020304" pitchFamily="18" charset="0"/>
-                <a:cs typeface="Times New Roman" panose="02020603050405020304" pitchFamily="18" charset="0"/>
-              </a:rPr>
-              <a:t>Stimuli</a:t>
-            </a:r>
-            <a:r>
-              <a:rPr lang="en-GB" sz="2400" b="1" dirty="0">
-                <a:solidFill>
-                  <a:schemeClr val="tx1"/>
-                </a:solidFill>
-                <a:latin typeface="Times New Roman" panose="02020603050405020304" pitchFamily="18" charset="0"/>
-                <a:cs typeface="Times New Roman" panose="02020603050405020304" pitchFamily="18" charset="0"/>
-              </a:rPr>
-              <a:t>: NON-EROTIC + EROTIC IMAGES</a:t>
-            </a:r>
-            <a:endParaRPr lang="en-GB" sz="1400" b="1" dirty="0">
-              <a:solidFill>
-                <a:schemeClr val="tx1"/>
-              </a:solidFill>
-              <a:latin typeface="Times New Roman" panose="02020603050405020304" pitchFamily="18" charset="0"/>
-              <a:cs typeface="Times New Roman" panose="02020603050405020304" pitchFamily="18" charset="0"/>
-            </a:endParaRPr>
-          </a:p>
-        </p:txBody>
-      </p:sp>
-      <p:sp>
-        <p:nvSpPr>
-          <p:cNvPr id="1307" name="Rectangle 1306">
-            <a:extLst>
-              <a:ext uri="{FF2B5EF4-FFF2-40B4-BE49-F238E27FC236}">
-                <a16:creationId xmlns:a16="http://schemas.microsoft.com/office/drawing/2014/main" id="{05BDC850-0F68-7FAC-CA73-60DE6D06305E}"/>
-              </a:ext>
-            </a:extLst>
-          </p:cNvPr>
-          <p:cNvSpPr/>
-          <p:nvPr/>
-        </p:nvSpPr>
-        <p:spPr>
-          <a:xfrm>
-            <a:off x="22922110" y="16578782"/>
-            <a:ext cx="6534568" cy="579560"/>
-          </a:xfrm>
-          <a:prstGeom prst="rect">
-            <a:avLst/>
-          </a:prstGeom>
-          <a:solidFill>
-            <a:srgbClr val="D8C99B"/>
-          </a:solidFill>
-          <a:ln>
-            <a:noFill/>
-          </a:ln>
-        </p:spPr>
-        <p:style>
-          <a:lnRef idx="2">
-            <a:schemeClr val="accent1">
-              <a:shade val="15000"/>
-            </a:schemeClr>
-          </a:lnRef>
-          <a:fillRef idx="1">
-            <a:schemeClr val="accent1"/>
-          </a:fillRef>
-          <a:effectRef idx="0">
-            <a:schemeClr val="accent1"/>
-          </a:effectRef>
-          <a:fontRef idx="minor">
-            <a:schemeClr val="lt1"/>
-          </a:fontRef>
-        </p:style>
-        <p:txBody>
-          <a:bodyPr rtlCol="0" anchor="ctr"/>
-          <a:lstStyle/>
-          <a:p>
-            <a:r>
-              <a:rPr lang="en-GB" sz="2400" b="1" i="1" dirty="0">
-                <a:solidFill>
-                  <a:schemeClr val="tx1"/>
-                </a:solidFill>
-                <a:latin typeface="Times New Roman" panose="02020603050405020304" pitchFamily="18" charset="0"/>
-                <a:cs typeface="Times New Roman" panose="02020603050405020304" pitchFamily="18" charset="0"/>
-              </a:rPr>
-              <a:t>Stimuli</a:t>
-            </a:r>
-            <a:r>
-              <a:rPr lang="en-GB" sz="2400" b="1" dirty="0">
-                <a:solidFill>
-                  <a:schemeClr val="tx1"/>
-                </a:solidFill>
-                <a:latin typeface="Times New Roman" panose="02020603050405020304" pitchFamily="18" charset="0"/>
-                <a:cs typeface="Times New Roman" panose="02020603050405020304" pitchFamily="18" charset="0"/>
-              </a:rPr>
-              <a:t>: EROTIC IMAGES</a:t>
-            </a:r>
-            <a:endParaRPr lang="en-GB" sz="1400" b="1" dirty="0">
-              <a:solidFill>
-                <a:schemeClr val="tx1"/>
-              </a:solidFill>
-              <a:latin typeface="Times New Roman" panose="02020603050405020304" pitchFamily="18" charset="0"/>
-              <a:cs typeface="Times New Roman" panose="02020603050405020304" pitchFamily="18" charset="0"/>
-            </a:endParaRPr>
-          </a:p>
-        </p:txBody>
-      </p:sp>
-      <p:sp>
-        <p:nvSpPr>
           <p:cNvPr id="1311" name="TextBox 1310">
             <a:extLst>
               <a:ext uri="{FF2B5EF4-FFF2-40B4-BE49-F238E27FC236}">
@@ -8655,130 +7653,6 @@
           </a:p>
         </p:txBody>
       </p:sp>
-      <p:sp>
-        <p:nvSpPr>
-          <p:cNvPr id="1319" name="Rectangle 1318">
-            <a:extLst>
-              <a:ext uri="{FF2B5EF4-FFF2-40B4-BE49-F238E27FC236}">
-                <a16:creationId xmlns:a16="http://schemas.microsoft.com/office/drawing/2014/main" id="{7F8B020D-551E-2562-10A0-989158C4237D}"/>
-              </a:ext>
-            </a:extLst>
-          </p:cNvPr>
-          <p:cNvSpPr/>
-          <p:nvPr/>
-        </p:nvSpPr>
-        <p:spPr>
-          <a:xfrm>
-            <a:off x="8358342" y="16571260"/>
-            <a:ext cx="6546647" cy="587082"/>
-          </a:xfrm>
-          <a:prstGeom prst="rect">
-            <a:avLst/>
-          </a:prstGeom>
-          <a:solidFill>
-            <a:srgbClr val="D8C99B"/>
-          </a:solidFill>
-          <a:ln>
-            <a:noFill/>
-          </a:ln>
-        </p:spPr>
-        <p:style>
-          <a:lnRef idx="2">
-            <a:schemeClr val="accent1">
-              <a:shade val="15000"/>
-            </a:schemeClr>
-          </a:lnRef>
-          <a:fillRef idx="1">
-            <a:schemeClr val="accent1"/>
-          </a:fillRef>
-          <a:effectRef idx="0">
-            <a:schemeClr val="accent1"/>
-          </a:effectRef>
-          <a:fontRef idx="minor">
-            <a:schemeClr val="lt1"/>
-          </a:fontRef>
-        </p:style>
-        <p:txBody>
-          <a:bodyPr rtlCol="0" anchor="ctr"/>
-          <a:lstStyle/>
-          <a:p>
-            <a:r>
-              <a:rPr lang="en-GB" sz="2400" b="1" i="1" dirty="0">
-                <a:solidFill>
-                  <a:schemeClr val="tx1"/>
-                </a:solidFill>
-                <a:latin typeface="Times New Roman" panose="02020603050405020304" pitchFamily="18" charset="0"/>
-                <a:cs typeface="Times New Roman" panose="02020603050405020304" pitchFamily="18" charset="0"/>
-              </a:rPr>
-              <a:t>Stimuli</a:t>
-            </a:r>
-            <a:r>
-              <a:rPr lang="en-GB" sz="2400" b="1" dirty="0">
-                <a:solidFill>
-                  <a:schemeClr val="tx1"/>
-                </a:solidFill>
-                <a:latin typeface="Times New Roman" panose="02020603050405020304" pitchFamily="18" charset="0"/>
-                <a:cs typeface="Times New Roman" panose="02020603050405020304" pitchFamily="18" charset="0"/>
-              </a:rPr>
-              <a:t>: NEUTRAL FACES</a:t>
-            </a:r>
-            <a:endParaRPr lang="en-GB" sz="1400" b="1" dirty="0">
-              <a:solidFill>
-                <a:schemeClr val="tx1"/>
-              </a:solidFill>
-              <a:latin typeface="Times New Roman" panose="02020603050405020304" pitchFamily="18" charset="0"/>
-              <a:cs typeface="Times New Roman" panose="02020603050405020304" pitchFamily="18" charset="0"/>
-            </a:endParaRPr>
-          </a:p>
-        </p:txBody>
-      </p:sp>
-      <p:pic>
-        <p:nvPicPr>
-          <p:cNvPr id="1320" name="Picture 28">
-            <a:extLst>
-              <a:ext uri="{FF2B5EF4-FFF2-40B4-BE49-F238E27FC236}">
-                <a16:creationId xmlns:a16="http://schemas.microsoft.com/office/drawing/2014/main" id="{BF6E4D2F-E305-F1B3-41F5-CF029FDA961E}"/>
-              </a:ext>
-            </a:extLst>
-          </p:cNvPr>
-          <p:cNvPicPr>
-            <a:picLocks noChangeAspect="1" noChangeArrowheads="1"/>
-          </p:cNvPicPr>
-          <p:nvPr/>
-        </p:nvPicPr>
-        <p:blipFill>
-          <a:blip r:embed="rId8">
-            <a:extLst>
-              <a:ext uri="{28A0092B-C50C-407E-A947-70E740481C1C}">
-                <a14:useLocalDpi xmlns:a14="http://schemas.microsoft.com/office/drawing/2010/main" val="0"/>
-              </a:ext>
-            </a:extLst>
-          </a:blip>
-          <a:srcRect/>
-          <a:stretch>
-            <a:fillRect/>
-          </a:stretch>
-        </p:blipFill>
-        <p:spPr bwMode="auto">
-          <a:xfrm>
-            <a:off x="8100532" y="27210650"/>
-            <a:ext cx="6562142" cy="6562142"/>
-          </a:xfrm>
-          <a:prstGeom prst="rect">
-            <a:avLst/>
-          </a:prstGeom>
-          <a:noFill/>
-          <a:extLst>
-            <a:ext uri="{909E8E84-426E-40DD-AFC4-6F175D3DCCD1}">
-              <a14:hiddenFill xmlns:a14="http://schemas.microsoft.com/office/drawing/2010/main">
-                <a:solidFill>
-                  <a:srgbClr val="FFFFFF"/>
-                </a:solidFill>
-              </a14:hiddenFill>
-            </a:ext>
-          </a:extLst>
-        </p:spPr>
-      </p:pic>
       <p:grpSp>
         <p:nvGrpSpPr>
           <p:cNvPr id="1322" name="Group 1321">
@@ -8793,7 +7667,7 @@
         </p:nvGrpSpPr>
         <p:grpSpPr>
           <a:xfrm>
-            <a:off x="15521619" y="26920962"/>
+            <a:off x="15750453" y="26920962"/>
             <a:ext cx="6615376" cy="6794159"/>
             <a:chOff x="15599406" y="26860544"/>
             <a:chExt cx="6985638" cy="5574368"/>
@@ -8814,7 +7688,7 @@
             <p:nvPr/>
           </p:nvPicPr>
           <p:blipFill>
-            <a:blip r:embed="rId9">
+            <a:blip r:embed="rId8">
               <a:extLst>
                 <a:ext uri="{28A0092B-C50C-407E-A947-70E740481C1C}">
                   <a14:useLocalDpi xmlns:a14="http://schemas.microsoft.com/office/drawing/2010/main" val="0"/>
@@ -8899,12 +7773,1431 @@
           </p:txBody>
         </p:sp>
       </p:grpSp>
+      <p:grpSp>
+        <p:nvGrpSpPr>
+          <p:cNvPr id="5" name="Group 4">
+            <a:extLst>
+              <a:ext uri="{FF2B5EF4-FFF2-40B4-BE49-F238E27FC236}">
+                <a16:creationId xmlns:a16="http://schemas.microsoft.com/office/drawing/2014/main" id="{25B87427-6B80-3510-88AF-53878ADDEF66}"/>
+              </a:ext>
+            </a:extLst>
+          </p:cNvPr>
+          <p:cNvGrpSpPr/>
+          <p:nvPr/>
+        </p:nvGrpSpPr>
+        <p:grpSpPr>
+          <a:xfrm>
+            <a:off x="195631" y="6056082"/>
+            <a:ext cx="29423516" cy="10740259"/>
+            <a:chOff x="150701" y="11205507"/>
+            <a:chExt cx="29423516" cy="10740259"/>
+          </a:xfrm>
+        </p:grpSpPr>
+        <p:grpSp>
+          <p:nvGrpSpPr>
+            <p:cNvPr id="1222" name="Group 1221">
+              <a:extLst>
+                <a:ext uri="{FF2B5EF4-FFF2-40B4-BE49-F238E27FC236}">
+                  <a16:creationId xmlns:a16="http://schemas.microsoft.com/office/drawing/2014/main" id="{DF5B5033-CCE7-F833-92CB-E7FB8EE36BD8}"/>
+                </a:ext>
+              </a:extLst>
+            </p:cNvPr>
+            <p:cNvGrpSpPr/>
+            <p:nvPr/>
+          </p:nvGrpSpPr>
+          <p:grpSpPr>
+            <a:xfrm>
+              <a:off x="1058922" y="14640406"/>
+              <a:ext cx="6484358" cy="1639183"/>
+              <a:chOff x="940687" y="16499793"/>
+              <a:chExt cx="3228493" cy="2304255"/>
+            </a:xfrm>
+          </p:grpSpPr>
+          <p:sp>
+            <p:nvSpPr>
+              <p:cNvPr id="1220" name="Rectangle 1219">
+                <a:extLst>
+                  <a:ext uri="{FF2B5EF4-FFF2-40B4-BE49-F238E27FC236}">
+                    <a16:creationId xmlns:a16="http://schemas.microsoft.com/office/drawing/2014/main" id="{92FF05CD-A1A0-BD3A-1DC3-8BE1C7E82D69}"/>
+                  </a:ext>
+                </a:extLst>
+              </p:cNvPr>
+              <p:cNvSpPr/>
+              <p:nvPr/>
+            </p:nvSpPr>
+            <p:spPr>
+              <a:xfrm>
+                <a:off x="940689" y="16499793"/>
+                <a:ext cx="3228491" cy="1893504"/>
+              </a:xfrm>
+              <a:prstGeom prst="rect">
+                <a:avLst/>
+              </a:prstGeom>
+              <a:solidFill>
+                <a:srgbClr val="D8973C"/>
+              </a:solidFill>
+              <a:ln>
+                <a:noFill/>
+              </a:ln>
+            </p:spPr>
+            <p:style>
+              <a:lnRef idx="2">
+                <a:schemeClr val="accent1">
+                  <a:shade val="15000"/>
+                </a:schemeClr>
+              </a:lnRef>
+              <a:fillRef idx="1">
+                <a:schemeClr val="accent1"/>
+              </a:fillRef>
+              <a:effectRef idx="0">
+                <a:schemeClr val="accent1"/>
+              </a:effectRef>
+              <a:fontRef idx="minor">
+                <a:schemeClr val="lt1"/>
+              </a:fontRef>
+            </p:style>
+            <p:txBody>
+              <a:bodyPr rtlCol="0" anchor="ctr"/>
+              <a:lstStyle/>
+              <a:p>
+                <a:pPr marL="800100" lvl="1" indent="-342900">
+                  <a:buFont typeface="Arial" panose="020B0604020202020204" pitchFamily="34" charset="0"/>
+                  <a:buChar char="•"/>
+                </a:pPr>
+                <a:r>
+                  <a:rPr lang="en-GB" sz="2000" b="1" dirty="0">
+                    <a:solidFill>
+                      <a:schemeClr val="bg1"/>
+                    </a:solidFill>
+                    <a:latin typeface="Times New Roman" panose="02020603050405020304" pitchFamily="18" charset="0"/>
+                    <a:cs typeface="Times New Roman" panose="02020603050405020304" pitchFamily="18" charset="0"/>
+                  </a:rPr>
+                  <a:t>Attractiveness </a:t>
+                </a:r>
+                <a:endParaRPr lang="en-GB" sz="2000" b="1" dirty="0">
+                  <a:solidFill>
+                    <a:schemeClr val="bg1"/>
+                  </a:solidFill>
+                  <a:effectLst/>
+                  <a:latin typeface="Times New Roman" panose="02020603050405020304" pitchFamily="18" charset="0"/>
+                  <a:cs typeface="Times New Roman" panose="02020603050405020304" pitchFamily="18" charset="0"/>
+                </a:endParaRPr>
+              </a:p>
+              <a:p>
+                <a:pPr marL="800100" lvl="1" indent="-342900">
+                  <a:buFont typeface="Arial" panose="020B0604020202020204" pitchFamily="34" charset="0"/>
+                  <a:buChar char="•"/>
+                </a:pPr>
+                <a:r>
+                  <a:rPr lang="en-GB" sz="2000" b="1" dirty="0">
+                    <a:solidFill>
+                      <a:schemeClr val="bg1"/>
+                    </a:solidFill>
+                    <a:effectLst/>
+                    <a:latin typeface="Times New Roman" panose="02020603050405020304" pitchFamily="18" charset="0"/>
+                    <a:cs typeface="Times New Roman" panose="02020603050405020304" pitchFamily="18" charset="0"/>
+                  </a:rPr>
+                  <a:t>Trustworthiness </a:t>
+                </a:r>
+              </a:p>
+              <a:p>
+                <a:pPr marL="800100" lvl="1" indent="-342900">
+                  <a:buFont typeface="Arial" panose="020B0604020202020204" pitchFamily="34" charset="0"/>
+                  <a:buChar char="•"/>
+                </a:pPr>
+                <a:r>
+                  <a:rPr lang="en-GB" sz="2000" b="1" dirty="0">
+                    <a:solidFill>
+                      <a:schemeClr val="bg1"/>
+                    </a:solidFill>
+                    <a:latin typeface="Times New Roman" panose="02020603050405020304" pitchFamily="18" charset="0"/>
+                    <a:cs typeface="Times New Roman" panose="02020603050405020304" pitchFamily="18" charset="0"/>
+                  </a:rPr>
+                  <a:t>Beauty</a:t>
+                </a:r>
+              </a:p>
+              <a:p>
+                <a:pPr marL="800100" lvl="1" indent="-342900">
+                  <a:buFont typeface="Arial" panose="020B0604020202020204" pitchFamily="34" charset="0"/>
+                  <a:buChar char="•"/>
+                </a:pPr>
+                <a:r>
+                  <a:rPr lang="en-GB" sz="2000" b="1" dirty="0">
+                    <a:solidFill>
+                      <a:schemeClr val="bg1"/>
+                    </a:solidFill>
+                    <a:effectLst/>
+                    <a:latin typeface="Times New Roman" panose="02020603050405020304" pitchFamily="18" charset="0"/>
+                    <a:cs typeface="Times New Roman" panose="02020603050405020304" pitchFamily="18" charset="0"/>
+                  </a:rPr>
+                  <a:t>Familiarity</a:t>
+                </a:r>
+                <a:endParaRPr lang="en-GB" sz="2000" b="1" dirty="0">
+                  <a:solidFill>
+                    <a:schemeClr val="bg1"/>
+                  </a:solidFill>
+                  <a:latin typeface="Times New Roman" panose="02020603050405020304" pitchFamily="18" charset="0"/>
+                  <a:cs typeface="Times New Roman" panose="02020603050405020304" pitchFamily="18" charset="0"/>
+                </a:endParaRPr>
+              </a:p>
+            </p:txBody>
+          </p:sp>
+          <p:sp>
+            <p:nvSpPr>
+              <p:cNvPr id="1221" name="Rectangle 1220">
+                <a:extLst>
+                  <a:ext uri="{FF2B5EF4-FFF2-40B4-BE49-F238E27FC236}">
+                    <a16:creationId xmlns:a16="http://schemas.microsoft.com/office/drawing/2014/main" id="{CF284B4F-D09A-E09A-E64B-5ECEC61D14C8}"/>
+                  </a:ext>
+                </a:extLst>
+              </p:cNvPr>
+              <p:cNvSpPr/>
+              <p:nvPr/>
+            </p:nvSpPr>
+            <p:spPr>
+              <a:xfrm>
+                <a:off x="940687" y="18355175"/>
+                <a:ext cx="3228490" cy="448873"/>
+              </a:xfrm>
+              <a:prstGeom prst="rect">
+                <a:avLst/>
+              </a:prstGeom>
+              <a:solidFill>
+                <a:srgbClr val="9E2A2B"/>
+              </a:solidFill>
+              <a:ln>
+                <a:noFill/>
+              </a:ln>
+            </p:spPr>
+            <p:style>
+              <a:lnRef idx="2">
+                <a:schemeClr val="accent1">
+                  <a:shade val="15000"/>
+                </a:schemeClr>
+              </a:lnRef>
+              <a:fillRef idx="1">
+                <a:schemeClr val="accent1"/>
+              </a:fillRef>
+              <a:effectRef idx="0">
+                <a:schemeClr val="accent1"/>
+              </a:effectRef>
+              <a:fontRef idx="minor">
+                <a:schemeClr val="lt1"/>
+              </a:fontRef>
+            </p:style>
+            <p:txBody>
+              <a:bodyPr rtlCol="0" anchor="ctr"/>
+              <a:lstStyle/>
+              <a:p>
+                <a:pPr marL="914400" lvl="1" indent="-457200">
+                  <a:buFont typeface="Wingdings" panose="05000000000000000000" pitchFamily="2" charset="2"/>
+                  <a:buChar char="§"/>
+                </a:pPr>
+                <a:r>
+                  <a:rPr lang="en-GB" sz="2000" b="1" dirty="0">
+                    <a:solidFill>
+                      <a:schemeClr val="bg1"/>
+                    </a:solidFill>
+                    <a:latin typeface="Times New Roman" panose="02020603050405020304" pitchFamily="18" charset="0"/>
+                    <a:cs typeface="Times New Roman" panose="02020603050405020304" pitchFamily="18" charset="0"/>
+                  </a:rPr>
+                  <a:t>Realness </a:t>
+                </a:r>
+              </a:p>
+            </p:txBody>
+          </p:sp>
+        </p:grpSp>
+        <p:grpSp>
+          <p:nvGrpSpPr>
+            <p:cNvPr id="1263" name="Group 1262">
+              <a:extLst>
+                <a:ext uri="{FF2B5EF4-FFF2-40B4-BE49-F238E27FC236}">
+                  <a16:creationId xmlns:a16="http://schemas.microsoft.com/office/drawing/2014/main" id="{6721834A-6C39-F4B0-35E7-44A2DFCB65F6}"/>
+                </a:ext>
+              </a:extLst>
+            </p:cNvPr>
+            <p:cNvGrpSpPr/>
+            <p:nvPr/>
+          </p:nvGrpSpPr>
+          <p:grpSpPr>
+            <a:xfrm>
+              <a:off x="8356089" y="14640408"/>
+              <a:ext cx="6532812" cy="1647536"/>
+              <a:chOff x="940687" y="16762415"/>
+              <a:chExt cx="3228493" cy="2041633"/>
+            </a:xfrm>
+          </p:grpSpPr>
+          <p:sp>
+            <p:nvSpPr>
+              <p:cNvPr id="1264" name="Rectangle 1263">
+                <a:extLst>
+                  <a:ext uri="{FF2B5EF4-FFF2-40B4-BE49-F238E27FC236}">
+                    <a16:creationId xmlns:a16="http://schemas.microsoft.com/office/drawing/2014/main" id="{6BBB4C0F-7C4F-F04D-7C32-4FF6F563577A}"/>
+                  </a:ext>
+                </a:extLst>
+              </p:cNvPr>
+              <p:cNvSpPr/>
+              <p:nvPr/>
+            </p:nvSpPr>
+            <p:spPr>
+              <a:xfrm>
+                <a:off x="940689" y="16762415"/>
+                <a:ext cx="3228491" cy="1630878"/>
+              </a:xfrm>
+              <a:prstGeom prst="rect">
+                <a:avLst/>
+              </a:prstGeom>
+              <a:solidFill>
+                <a:srgbClr val="D8973C"/>
+              </a:solidFill>
+              <a:ln>
+                <a:noFill/>
+              </a:ln>
+            </p:spPr>
+            <p:style>
+              <a:lnRef idx="2">
+                <a:schemeClr val="accent1">
+                  <a:shade val="15000"/>
+                </a:schemeClr>
+              </a:lnRef>
+              <a:fillRef idx="1">
+                <a:schemeClr val="accent1"/>
+              </a:fillRef>
+              <a:effectRef idx="0">
+                <a:schemeClr val="accent1"/>
+              </a:effectRef>
+              <a:fontRef idx="minor">
+                <a:schemeClr val="lt1"/>
+              </a:fontRef>
+            </p:style>
+            <p:txBody>
+              <a:bodyPr rtlCol="0" anchor="ctr"/>
+              <a:lstStyle/>
+              <a:p>
+                <a:pPr marL="800100" lvl="1" indent="-342900">
+                  <a:buFont typeface="Arial" panose="020B0604020202020204" pitchFamily="34" charset="0"/>
+                  <a:buChar char="•"/>
+                </a:pPr>
+                <a:r>
+                  <a:rPr lang="en-GB" sz="2000" b="1" dirty="0">
+                    <a:solidFill>
+                      <a:schemeClr val="bg1"/>
+                    </a:solidFill>
+                    <a:latin typeface="Times New Roman" panose="02020603050405020304" pitchFamily="18" charset="0"/>
+                    <a:cs typeface="Times New Roman" panose="02020603050405020304" pitchFamily="18" charset="0"/>
+                  </a:rPr>
+                  <a:t>Attractiveness</a:t>
+                </a:r>
+                <a:endParaRPr lang="en-GB" sz="2000" b="1" dirty="0">
+                  <a:solidFill>
+                    <a:schemeClr val="bg1"/>
+                  </a:solidFill>
+                  <a:effectLst/>
+                  <a:latin typeface="Times New Roman" panose="02020603050405020304" pitchFamily="18" charset="0"/>
+                  <a:cs typeface="Times New Roman" panose="02020603050405020304" pitchFamily="18" charset="0"/>
+                </a:endParaRPr>
+              </a:p>
+              <a:p>
+                <a:pPr marL="800100" lvl="1" indent="-342900">
+                  <a:buFont typeface="Arial" panose="020B0604020202020204" pitchFamily="34" charset="0"/>
+                  <a:buChar char="•"/>
+                </a:pPr>
+                <a:r>
+                  <a:rPr lang="en-GB" sz="2000" b="1" dirty="0">
+                    <a:solidFill>
+                      <a:schemeClr val="bg1"/>
+                    </a:solidFill>
+                    <a:effectLst/>
+                    <a:latin typeface="Times New Roman" panose="02020603050405020304" pitchFamily="18" charset="0"/>
+                    <a:cs typeface="Times New Roman" panose="02020603050405020304" pitchFamily="18" charset="0"/>
+                  </a:rPr>
+                  <a:t>Trustworthiness </a:t>
+                </a:r>
+              </a:p>
+              <a:p>
+                <a:pPr marL="800100" lvl="1" indent="-342900">
+                  <a:buFont typeface="Arial" panose="020B0604020202020204" pitchFamily="34" charset="0"/>
+                  <a:buChar char="•"/>
+                </a:pPr>
+                <a:r>
+                  <a:rPr lang="en-GB" sz="2000" b="1" dirty="0">
+                    <a:solidFill>
+                      <a:schemeClr val="bg1"/>
+                    </a:solidFill>
+                    <a:latin typeface="Times New Roman" panose="02020603050405020304" pitchFamily="18" charset="0"/>
+                    <a:cs typeface="Times New Roman" panose="02020603050405020304" pitchFamily="18" charset="0"/>
+                  </a:rPr>
+                  <a:t>Beauty</a:t>
+                </a:r>
+              </a:p>
+            </p:txBody>
+          </p:sp>
+          <p:sp>
+            <p:nvSpPr>
+              <p:cNvPr id="1265" name="Rectangle 1264">
+                <a:extLst>
+                  <a:ext uri="{FF2B5EF4-FFF2-40B4-BE49-F238E27FC236}">
+                    <a16:creationId xmlns:a16="http://schemas.microsoft.com/office/drawing/2014/main" id="{77828BFC-BF1D-0802-0F50-EB67288138A4}"/>
+                  </a:ext>
+                </a:extLst>
+              </p:cNvPr>
+              <p:cNvSpPr/>
+              <p:nvPr/>
+            </p:nvSpPr>
+            <p:spPr>
+              <a:xfrm>
+                <a:off x="940687" y="18355175"/>
+                <a:ext cx="3228490" cy="448873"/>
+              </a:xfrm>
+              <a:prstGeom prst="rect">
+                <a:avLst/>
+              </a:prstGeom>
+              <a:solidFill>
+                <a:srgbClr val="9E2A2B"/>
+              </a:solidFill>
+              <a:ln>
+                <a:noFill/>
+              </a:ln>
+            </p:spPr>
+            <p:style>
+              <a:lnRef idx="2">
+                <a:schemeClr val="accent1">
+                  <a:shade val="15000"/>
+                </a:schemeClr>
+              </a:lnRef>
+              <a:fillRef idx="1">
+                <a:schemeClr val="accent1"/>
+              </a:fillRef>
+              <a:effectRef idx="0">
+                <a:schemeClr val="accent1"/>
+              </a:effectRef>
+              <a:fontRef idx="minor">
+                <a:schemeClr val="lt1"/>
+              </a:fontRef>
+            </p:style>
+            <p:txBody>
+              <a:bodyPr rtlCol="0" anchor="ctr"/>
+              <a:lstStyle/>
+              <a:p>
+                <a:pPr marL="914400" lvl="1" indent="-457200">
+                  <a:buFont typeface="Wingdings" panose="05000000000000000000" pitchFamily="2" charset="2"/>
+                  <a:buChar char="§"/>
+                </a:pPr>
+                <a:r>
+                  <a:rPr lang="en-GB" sz="2000" b="1" dirty="0">
+                    <a:solidFill>
+                      <a:schemeClr val="bg1"/>
+                    </a:solidFill>
+                    <a:latin typeface="Times New Roman" panose="02020603050405020304" pitchFamily="18" charset="0"/>
+                    <a:cs typeface="Times New Roman" panose="02020603050405020304" pitchFamily="18" charset="0"/>
+                  </a:rPr>
+                  <a:t>Realness </a:t>
+                </a:r>
+              </a:p>
+            </p:txBody>
+          </p:sp>
+        </p:grpSp>
+        <p:grpSp>
+          <p:nvGrpSpPr>
+            <p:cNvPr id="1266" name="Group 1265">
+              <a:extLst>
+                <a:ext uri="{FF2B5EF4-FFF2-40B4-BE49-F238E27FC236}">
+                  <a16:creationId xmlns:a16="http://schemas.microsoft.com/office/drawing/2014/main" id="{C83049CA-3E49-D4D3-6638-E75FFB3B995C}"/>
+                </a:ext>
+              </a:extLst>
+            </p:cNvPr>
+            <p:cNvGrpSpPr/>
+            <p:nvPr/>
+          </p:nvGrpSpPr>
+          <p:grpSpPr>
+            <a:xfrm>
+              <a:off x="15732845" y="14640406"/>
+              <a:ext cx="6519522" cy="1646356"/>
+              <a:chOff x="940687" y="16499790"/>
+              <a:chExt cx="3228493" cy="2298761"/>
+            </a:xfrm>
+          </p:grpSpPr>
+          <p:sp>
+            <p:nvSpPr>
+              <p:cNvPr id="1267" name="Rectangle 1266">
+                <a:extLst>
+                  <a:ext uri="{FF2B5EF4-FFF2-40B4-BE49-F238E27FC236}">
+                    <a16:creationId xmlns:a16="http://schemas.microsoft.com/office/drawing/2014/main" id="{EB447C58-3425-37C3-0311-6C5EB75F9C0D}"/>
+                  </a:ext>
+                </a:extLst>
+              </p:cNvPr>
+              <p:cNvSpPr/>
+              <p:nvPr/>
+            </p:nvSpPr>
+            <p:spPr>
+              <a:xfrm>
+                <a:off x="940689" y="16499790"/>
+                <a:ext cx="3228491" cy="1893504"/>
+              </a:xfrm>
+              <a:prstGeom prst="rect">
+                <a:avLst/>
+              </a:prstGeom>
+              <a:solidFill>
+                <a:srgbClr val="D8973C"/>
+              </a:solidFill>
+              <a:ln>
+                <a:noFill/>
+              </a:ln>
+            </p:spPr>
+            <p:style>
+              <a:lnRef idx="2">
+                <a:schemeClr val="accent1">
+                  <a:shade val="15000"/>
+                </a:schemeClr>
+              </a:lnRef>
+              <a:fillRef idx="1">
+                <a:schemeClr val="accent1"/>
+              </a:fillRef>
+              <a:effectRef idx="0">
+                <a:schemeClr val="accent1"/>
+              </a:effectRef>
+              <a:fontRef idx="minor">
+                <a:schemeClr val="lt1"/>
+              </a:fontRef>
+            </p:style>
+            <p:txBody>
+              <a:bodyPr rtlCol="0" anchor="ctr"/>
+              <a:lstStyle/>
+              <a:p>
+                <a:pPr marL="800100" lvl="1" indent="-342900">
+                  <a:buFont typeface="Arial" panose="020B0604020202020204" pitchFamily="34" charset="0"/>
+                  <a:buChar char="•"/>
+                </a:pPr>
+                <a:r>
+                  <a:rPr lang="en-GB" sz="2000" b="1" dirty="0">
+                    <a:solidFill>
+                      <a:schemeClr val="bg1"/>
+                    </a:solidFill>
+                    <a:effectLst/>
+                    <a:latin typeface="Times New Roman" panose="02020603050405020304" pitchFamily="18" charset="0"/>
+                    <a:cs typeface="Times New Roman" panose="02020603050405020304" pitchFamily="18" charset="0"/>
+                  </a:rPr>
+                  <a:t>Arousal</a:t>
+                </a:r>
+                <a:endParaRPr lang="en-GB" sz="2000" i="1" dirty="0">
+                  <a:solidFill>
+                    <a:schemeClr val="bg1"/>
+                  </a:solidFill>
+                  <a:latin typeface="Times New Roman" panose="02020603050405020304" pitchFamily="18" charset="0"/>
+                  <a:cs typeface="Times New Roman" panose="02020603050405020304" pitchFamily="18" charset="0"/>
+                </a:endParaRPr>
+              </a:p>
+              <a:p>
+                <a:pPr marL="800100" lvl="1" indent="-342900">
+                  <a:buFont typeface="Arial" panose="020B0604020202020204" pitchFamily="34" charset="0"/>
+                  <a:buChar char="•"/>
+                </a:pPr>
+                <a:r>
+                  <a:rPr lang="en-GB" sz="2000" b="1" dirty="0">
+                    <a:solidFill>
+                      <a:schemeClr val="bg1"/>
+                    </a:solidFill>
+                    <a:effectLst/>
+                    <a:latin typeface="Times New Roman" panose="02020603050405020304" pitchFamily="18" charset="0"/>
+                    <a:cs typeface="Times New Roman" panose="02020603050405020304" pitchFamily="18" charset="0"/>
+                  </a:rPr>
+                  <a:t>Enticement</a:t>
+                </a:r>
+              </a:p>
+              <a:p>
+                <a:pPr marL="800100" lvl="1" indent="-342900">
+                  <a:buFont typeface="Arial" panose="020B0604020202020204" pitchFamily="34" charset="0"/>
+                  <a:buChar char="•"/>
+                </a:pPr>
+                <a:r>
+                  <a:rPr lang="en-GB" sz="2000" b="1" dirty="0">
+                    <a:solidFill>
+                      <a:schemeClr val="bg1"/>
+                    </a:solidFill>
+                    <a:latin typeface="Times New Roman" panose="02020603050405020304" pitchFamily="18" charset="0"/>
+                    <a:cs typeface="Times New Roman" panose="02020603050405020304" pitchFamily="18" charset="0"/>
+                  </a:rPr>
+                  <a:t>Valence</a:t>
+                </a:r>
+              </a:p>
+            </p:txBody>
+          </p:sp>
+          <p:sp>
+            <p:nvSpPr>
+              <p:cNvPr id="1268" name="Rectangle 1267">
+                <a:extLst>
+                  <a:ext uri="{FF2B5EF4-FFF2-40B4-BE49-F238E27FC236}">
+                    <a16:creationId xmlns:a16="http://schemas.microsoft.com/office/drawing/2014/main" id="{A28AA7FD-9466-BC4A-DD77-E49279C48872}"/>
+                  </a:ext>
+                </a:extLst>
+              </p:cNvPr>
+              <p:cNvSpPr/>
+              <p:nvPr/>
+            </p:nvSpPr>
+            <p:spPr>
+              <a:xfrm>
+                <a:off x="940687" y="18355175"/>
+                <a:ext cx="3228490" cy="443376"/>
+              </a:xfrm>
+              <a:prstGeom prst="rect">
+                <a:avLst/>
+              </a:prstGeom>
+              <a:solidFill>
+                <a:srgbClr val="9E2A2B"/>
+              </a:solidFill>
+              <a:ln>
+                <a:noFill/>
+              </a:ln>
+            </p:spPr>
+            <p:style>
+              <a:lnRef idx="2">
+                <a:schemeClr val="accent1">
+                  <a:shade val="15000"/>
+                </a:schemeClr>
+              </a:lnRef>
+              <a:fillRef idx="1">
+                <a:schemeClr val="accent1"/>
+              </a:fillRef>
+              <a:effectRef idx="0">
+                <a:schemeClr val="accent1"/>
+              </a:effectRef>
+              <a:fontRef idx="minor">
+                <a:schemeClr val="lt1"/>
+              </a:fontRef>
+            </p:style>
+            <p:txBody>
+              <a:bodyPr rtlCol="0" anchor="ctr"/>
+              <a:lstStyle/>
+              <a:p>
+                <a:pPr marL="914400" lvl="1" indent="-457200">
+                  <a:buFont typeface="Wingdings" panose="05000000000000000000" pitchFamily="2" charset="2"/>
+                  <a:buChar char="§"/>
+                </a:pPr>
+                <a:r>
+                  <a:rPr lang="en-GB" sz="2000" b="1" dirty="0">
+                    <a:solidFill>
+                      <a:schemeClr val="bg1"/>
+                    </a:solidFill>
+                    <a:latin typeface="Times New Roman" panose="02020603050405020304" pitchFamily="18" charset="0"/>
+                    <a:cs typeface="Times New Roman" panose="02020603050405020304" pitchFamily="18" charset="0"/>
+                  </a:rPr>
+                  <a:t>Realness</a:t>
+                </a:r>
+                <a:endParaRPr lang="en-GB" sz="2000" i="1" dirty="0">
+                  <a:solidFill>
+                    <a:schemeClr val="bg1"/>
+                  </a:solidFill>
+                  <a:latin typeface="Times New Roman" panose="02020603050405020304" pitchFamily="18" charset="0"/>
+                  <a:cs typeface="Times New Roman" panose="02020603050405020304" pitchFamily="18" charset="0"/>
+                </a:endParaRPr>
+              </a:p>
+            </p:txBody>
+          </p:sp>
+        </p:grpSp>
+        <p:grpSp>
+          <p:nvGrpSpPr>
+            <p:cNvPr id="1270" name="Group 1269">
+              <a:extLst>
+                <a:ext uri="{FF2B5EF4-FFF2-40B4-BE49-F238E27FC236}">
+                  <a16:creationId xmlns:a16="http://schemas.microsoft.com/office/drawing/2014/main" id="{680B316E-5F9B-EA69-5307-773186A772BD}"/>
+                </a:ext>
+              </a:extLst>
+            </p:cNvPr>
+            <p:cNvGrpSpPr/>
+            <p:nvPr/>
+          </p:nvGrpSpPr>
+          <p:grpSpPr>
+            <a:xfrm>
+              <a:off x="22932521" y="14565187"/>
+              <a:ext cx="6496040" cy="1646356"/>
+              <a:chOff x="940687" y="16524805"/>
+              <a:chExt cx="3228493" cy="2273746"/>
+            </a:xfrm>
+          </p:grpSpPr>
+          <p:sp>
+            <p:nvSpPr>
+              <p:cNvPr id="1271" name="Rectangle 1270">
+                <a:extLst>
+                  <a:ext uri="{FF2B5EF4-FFF2-40B4-BE49-F238E27FC236}">
+                    <a16:creationId xmlns:a16="http://schemas.microsoft.com/office/drawing/2014/main" id="{BE4CE065-F357-D046-7096-608A64262B38}"/>
+                  </a:ext>
+                </a:extLst>
+              </p:cNvPr>
+              <p:cNvSpPr/>
+              <p:nvPr/>
+            </p:nvSpPr>
+            <p:spPr>
+              <a:xfrm>
+                <a:off x="940689" y="16524805"/>
+                <a:ext cx="3228491" cy="1868488"/>
+              </a:xfrm>
+              <a:prstGeom prst="rect">
+                <a:avLst/>
+              </a:prstGeom>
+              <a:solidFill>
+                <a:srgbClr val="D8973C"/>
+              </a:solidFill>
+              <a:ln>
+                <a:noFill/>
+              </a:ln>
+            </p:spPr>
+            <p:style>
+              <a:lnRef idx="2">
+                <a:schemeClr val="accent1">
+                  <a:shade val="15000"/>
+                </a:schemeClr>
+              </a:lnRef>
+              <a:fillRef idx="1">
+                <a:schemeClr val="accent1"/>
+              </a:fillRef>
+              <a:effectRef idx="0">
+                <a:schemeClr val="accent1"/>
+              </a:effectRef>
+              <a:fontRef idx="minor">
+                <a:schemeClr val="lt1"/>
+              </a:fontRef>
+            </p:style>
+            <p:txBody>
+              <a:bodyPr rtlCol="0" anchor="ctr"/>
+              <a:lstStyle/>
+              <a:p>
+                <a:pPr marL="800100" lvl="1" indent="-342900">
+                  <a:buFont typeface="Arial" panose="020B0604020202020204" pitchFamily="34" charset="0"/>
+                  <a:buChar char="•"/>
+                </a:pPr>
+                <a:r>
+                  <a:rPr lang="en-GB" sz="2000" b="1" dirty="0">
+                    <a:solidFill>
+                      <a:schemeClr val="bg1"/>
+                    </a:solidFill>
+                    <a:effectLst/>
+                    <a:latin typeface="Times New Roman" panose="02020603050405020304" pitchFamily="18" charset="0"/>
+                    <a:cs typeface="Times New Roman" panose="02020603050405020304" pitchFamily="18" charset="0"/>
+                  </a:rPr>
+                  <a:t>Arousal </a:t>
+                </a:r>
+              </a:p>
+              <a:p>
+                <a:pPr marL="800100" lvl="1" indent="-342900">
+                  <a:buFont typeface="Arial" panose="020B0604020202020204" pitchFamily="34" charset="0"/>
+                  <a:buChar char="•"/>
+                </a:pPr>
+                <a:r>
+                  <a:rPr lang="en-GB" sz="2000" b="1" dirty="0">
+                    <a:solidFill>
+                      <a:schemeClr val="bg1"/>
+                    </a:solidFill>
+                    <a:effectLst/>
+                    <a:latin typeface="Times New Roman" panose="02020603050405020304" pitchFamily="18" charset="0"/>
+                    <a:cs typeface="Times New Roman" panose="02020603050405020304" pitchFamily="18" charset="0"/>
+                  </a:rPr>
+                  <a:t>Enticement</a:t>
+                </a:r>
+              </a:p>
+              <a:p>
+                <a:pPr marL="800100" lvl="1" indent="-342900">
+                  <a:buFont typeface="Arial" panose="020B0604020202020204" pitchFamily="34" charset="0"/>
+                  <a:buChar char="•"/>
+                </a:pPr>
+                <a:r>
+                  <a:rPr lang="en-GB" sz="2000" b="1" dirty="0">
+                    <a:solidFill>
+                      <a:schemeClr val="bg1"/>
+                    </a:solidFill>
+                    <a:latin typeface="Times New Roman" panose="02020603050405020304" pitchFamily="18" charset="0"/>
+                    <a:cs typeface="Times New Roman" panose="02020603050405020304" pitchFamily="18" charset="0"/>
+                  </a:rPr>
+                  <a:t>Valence</a:t>
+                </a:r>
+              </a:p>
+            </p:txBody>
+          </p:sp>
+          <p:sp>
+            <p:nvSpPr>
+              <p:cNvPr id="1272" name="Rectangle 1271">
+                <a:extLst>
+                  <a:ext uri="{FF2B5EF4-FFF2-40B4-BE49-F238E27FC236}">
+                    <a16:creationId xmlns:a16="http://schemas.microsoft.com/office/drawing/2014/main" id="{14FED80D-31EB-2407-8E81-FC460DC92A43}"/>
+                  </a:ext>
+                </a:extLst>
+              </p:cNvPr>
+              <p:cNvSpPr/>
+              <p:nvPr/>
+            </p:nvSpPr>
+            <p:spPr>
+              <a:xfrm>
+                <a:off x="940687" y="18355175"/>
+                <a:ext cx="3228490" cy="443376"/>
+              </a:xfrm>
+              <a:prstGeom prst="rect">
+                <a:avLst/>
+              </a:prstGeom>
+              <a:solidFill>
+                <a:srgbClr val="9E2A2B"/>
+              </a:solidFill>
+              <a:ln>
+                <a:noFill/>
+              </a:ln>
+            </p:spPr>
+            <p:style>
+              <a:lnRef idx="2">
+                <a:schemeClr val="accent1">
+                  <a:shade val="15000"/>
+                </a:schemeClr>
+              </a:lnRef>
+              <a:fillRef idx="1">
+                <a:schemeClr val="accent1"/>
+              </a:fillRef>
+              <a:effectRef idx="0">
+                <a:schemeClr val="accent1"/>
+              </a:effectRef>
+              <a:fontRef idx="minor">
+                <a:schemeClr val="lt1"/>
+              </a:fontRef>
+            </p:style>
+            <p:txBody>
+              <a:bodyPr rtlCol="0" anchor="ctr"/>
+              <a:lstStyle/>
+              <a:p>
+                <a:pPr marL="914400" lvl="1" indent="-457200">
+                  <a:buFont typeface="Wingdings" panose="05000000000000000000" pitchFamily="2" charset="2"/>
+                  <a:buChar char="§"/>
+                </a:pPr>
+                <a:r>
+                  <a:rPr lang="en-GB" sz="2000" b="1" dirty="0">
+                    <a:solidFill>
+                      <a:schemeClr val="bg1"/>
+                    </a:solidFill>
+                    <a:latin typeface="Times New Roman" panose="02020603050405020304" pitchFamily="18" charset="0"/>
+                    <a:cs typeface="Times New Roman" panose="02020603050405020304" pitchFamily="18" charset="0"/>
+                  </a:rPr>
+                  <a:t>Realness </a:t>
+                </a:r>
+              </a:p>
+            </p:txBody>
+          </p:sp>
+        </p:grpSp>
+        <p:sp>
+          <p:nvSpPr>
+            <p:cNvPr id="1300" name="Rectangle 1299">
+              <a:extLst>
+                <a:ext uri="{FF2B5EF4-FFF2-40B4-BE49-F238E27FC236}">
+                  <a16:creationId xmlns:a16="http://schemas.microsoft.com/office/drawing/2014/main" id="{33DB1603-794C-AC46-F2F7-6968F1CDCDC7}"/>
+                </a:ext>
+              </a:extLst>
+            </p:cNvPr>
+            <p:cNvSpPr/>
+            <p:nvPr/>
+          </p:nvSpPr>
+          <p:spPr>
+            <a:xfrm>
+              <a:off x="1023041" y="16575125"/>
+              <a:ext cx="6522491" cy="587082"/>
+            </a:xfrm>
+            <a:prstGeom prst="rect">
+              <a:avLst/>
+            </a:prstGeom>
+            <a:solidFill>
+              <a:srgbClr val="D8C99B"/>
+            </a:solidFill>
+            <a:ln>
+              <a:noFill/>
+            </a:ln>
+          </p:spPr>
+          <p:style>
+            <a:lnRef idx="2">
+              <a:schemeClr val="accent1">
+                <a:shade val="15000"/>
+              </a:schemeClr>
+            </a:lnRef>
+            <a:fillRef idx="1">
+              <a:schemeClr val="accent1"/>
+            </a:fillRef>
+            <a:effectRef idx="0">
+              <a:schemeClr val="accent1"/>
+            </a:effectRef>
+            <a:fontRef idx="minor">
+              <a:schemeClr val="lt1"/>
+            </a:fontRef>
+          </p:style>
+          <p:txBody>
+            <a:bodyPr rtlCol="0" anchor="ctr"/>
+            <a:lstStyle/>
+            <a:p>
+              <a:r>
+                <a:rPr lang="en-GB" sz="2400" b="1" i="1" dirty="0">
+                  <a:solidFill>
+                    <a:schemeClr val="tx1"/>
+                  </a:solidFill>
+                  <a:latin typeface="Times New Roman" panose="02020603050405020304" pitchFamily="18" charset="0"/>
+                  <a:cs typeface="Times New Roman" panose="02020603050405020304" pitchFamily="18" charset="0"/>
+                </a:rPr>
+                <a:t>Stimuli</a:t>
+              </a:r>
+              <a:r>
+                <a:rPr lang="en-GB" sz="2400" b="1" dirty="0">
+                  <a:solidFill>
+                    <a:schemeClr val="tx1"/>
+                  </a:solidFill>
+                  <a:latin typeface="Times New Roman" panose="02020603050405020304" pitchFamily="18" charset="0"/>
+                  <a:cs typeface="Times New Roman" panose="02020603050405020304" pitchFamily="18" charset="0"/>
+                </a:rPr>
+                <a:t>: NEUTRAL FACES</a:t>
+              </a:r>
+              <a:endParaRPr lang="en-GB" sz="1400" b="1" dirty="0">
+                <a:solidFill>
+                  <a:schemeClr val="tx1"/>
+                </a:solidFill>
+                <a:latin typeface="Times New Roman" panose="02020603050405020304" pitchFamily="18" charset="0"/>
+                <a:cs typeface="Times New Roman" panose="02020603050405020304" pitchFamily="18" charset="0"/>
+              </a:endParaRPr>
+            </a:p>
+          </p:txBody>
+        </p:sp>
+        <p:sp>
+          <p:nvSpPr>
+            <p:cNvPr id="1306" name="Rectangle 1305">
+              <a:extLst>
+                <a:ext uri="{FF2B5EF4-FFF2-40B4-BE49-F238E27FC236}">
+                  <a16:creationId xmlns:a16="http://schemas.microsoft.com/office/drawing/2014/main" id="{0FD41EAA-CA3A-B05A-9E13-6964664D5430}"/>
+                </a:ext>
+              </a:extLst>
+            </p:cNvPr>
+            <p:cNvSpPr/>
+            <p:nvPr/>
+          </p:nvSpPr>
+          <p:spPr>
+            <a:xfrm>
+              <a:off x="15732845" y="16574769"/>
+              <a:ext cx="6534569" cy="583573"/>
+            </a:xfrm>
+            <a:prstGeom prst="rect">
+              <a:avLst/>
+            </a:prstGeom>
+            <a:solidFill>
+              <a:srgbClr val="D8C99B"/>
+            </a:solidFill>
+            <a:ln>
+              <a:noFill/>
+            </a:ln>
+          </p:spPr>
+          <p:style>
+            <a:lnRef idx="2">
+              <a:schemeClr val="accent1">
+                <a:shade val="15000"/>
+              </a:schemeClr>
+            </a:lnRef>
+            <a:fillRef idx="1">
+              <a:schemeClr val="accent1"/>
+            </a:fillRef>
+            <a:effectRef idx="0">
+              <a:schemeClr val="accent1"/>
+            </a:effectRef>
+            <a:fontRef idx="minor">
+              <a:schemeClr val="lt1"/>
+            </a:fontRef>
+          </p:style>
+          <p:txBody>
+            <a:bodyPr rtlCol="0" anchor="ctr"/>
+            <a:lstStyle/>
+            <a:p>
+              <a:r>
+                <a:rPr lang="en-GB" sz="2400" b="1" i="1" dirty="0">
+                  <a:solidFill>
+                    <a:schemeClr val="tx1"/>
+                  </a:solidFill>
+                  <a:latin typeface="Times New Roman" panose="02020603050405020304" pitchFamily="18" charset="0"/>
+                  <a:cs typeface="Times New Roman" panose="02020603050405020304" pitchFamily="18" charset="0"/>
+                </a:rPr>
+                <a:t>Stimuli</a:t>
+              </a:r>
+              <a:r>
+                <a:rPr lang="en-GB" sz="2400" b="1" dirty="0">
+                  <a:solidFill>
+                    <a:schemeClr val="tx1"/>
+                  </a:solidFill>
+                  <a:latin typeface="Times New Roman" panose="02020603050405020304" pitchFamily="18" charset="0"/>
+                  <a:cs typeface="Times New Roman" panose="02020603050405020304" pitchFamily="18" charset="0"/>
+                </a:rPr>
+                <a:t>: NON-EROTIC + EROTIC IMAGES</a:t>
+              </a:r>
+              <a:endParaRPr lang="en-GB" sz="1400" b="1" dirty="0">
+                <a:solidFill>
+                  <a:schemeClr val="tx1"/>
+                </a:solidFill>
+                <a:latin typeface="Times New Roman" panose="02020603050405020304" pitchFamily="18" charset="0"/>
+                <a:cs typeface="Times New Roman" panose="02020603050405020304" pitchFamily="18" charset="0"/>
+              </a:endParaRPr>
+            </a:p>
+          </p:txBody>
+        </p:sp>
+        <p:sp>
+          <p:nvSpPr>
+            <p:cNvPr id="1307" name="Rectangle 1306">
+              <a:extLst>
+                <a:ext uri="{FF2B5EF4-FFF2-40B4-BE49-F238E27FC236}">
+                  <a16:creationId xmlns:a16="http://schemas.microsoft.com/office/drawing/2014/main" id="{05BDC850-0F68-7FAC-CA73-60DE6D06305E}"/>
+                </a:ext>
+              </a:extLst>
+            </p:cNvPr>
+            <p:cNvSpPr/>
+            <p:nvPr/>
+          </p:nvSpPr>
+          <p:spPr>
+            <a:xfrm>
+              <a:off x="22922110" y="16578782"/>
+              <a:ext cx="6534568" cy="579560"/>
+            </a:xfrm>
+            <a:prstGeom prst="rect">
+              <a:avLst/>
+            </a:prstGeom>
+            <a:solidFill>
+              <a:srgbClr val="D8C99B"/>
+            </a:solidFill>
+            <a:ln>
+              <a:noFill/>
+            </a:ln>
+          </p:spPr>
+          <p:style>
+            <a:lnRef idx="2">
+              <a:schemeClr val="accent1">
+                <a:shade val="15000"/>
+              </a:schemeClr>
+            </a:lnRef>
+            <a:fillRef idx="1">
+              <a:schemeClr val="accent1"/>
+            </a:fillRef>
+            <a:effectRef idx="0">
+              <a:schemeClr val="accent1"/>
+            </a:effectRef>
+            <a:fontRef idx="minor">
+              <a:schemeClr val="lt1"/>
+            </a:fontRef>
+          </p:style>
+          <p:txBody>
+            <a:bodyPr rtlCol="0" anchor="ctr"/>
+            <a:lstStyle/>
+            <a:p>
+              <a:r>
+                <a:rPr lang="en-GB" sz="2400" b="1" i="1" dirty="0">
+                  <a:solidFill>
+                    <a:schemeClr val="tx1"/>
+                  </a:solidFill>
+                  <a:latin typeface="Times New Roman" panose="02020603050405020304" pitchFamily="18" charset="0"/>
+                  <a:cs typeface="Times New Roman" panose="02020603050405020304" pitchFamily="18" charset="0"/>
+                </a:rPr>
+                <a:t>Stimuli</a:t>
+              </a:r>
+              <a:r>
+                <a:rPr lang="en-GB" sz="2400" b="1" dirty="0">
+                  <a:solidFill>
+                    <a:schemeClr val="tx1"/>
+                  </a:solidFill>
+                  <a:latin typeface="Times New Roman" panose="02020603050405020304" pitchFamily="18" charset="0"/>
+                  <a:cs typeface="Times New Roman" panose="02020603050405020304" pitchFamily="18" charset="0"/>
+                </a:rPr>
+                <a:t>: EROTIC IMAGES</a:t>
+              </a:r>
+              <a:endParaRPr lang="en-GB" sz="1400" b="1" dirty="0">
+                <a:solidFill>
+                  <a:schemeClr val="tx1"/>
+                </a:solidFill>
+                <a:latin typeface="Times New Roman" panose="02020603050405020304" pitchFamily="18" charset="0"/>
+                <a:cs typeface="Times New Roman" panose="02020603050405020304" pitchFamily="18" charset="0"/>
+              </a:endParaRPr>
+            </a:p>
+          </p:txBody>
+        </p:sp>
+        <p:sp>
+          <p:nvSpPr>
+            <p:cNvPr id="1319" name="Rectangle 1318">
+              <a:extLst>
+                <a:ext uri="{FF2B5EF4-FFF2-40B4-BE49-F238E27FC236}">
+                  <a16:creationId xmlns:a16="http://schemas.microsoft.com/office/drawing/2014/main" id="{7F8B020D-551E-2562-10A0-989158C4237D}"/>
+                </a:ext>
+              </a:extLst>
+            </p:cNvPr>
+            <p:cNvSpPr/>
+            <p:nvPr/>
+          </p:nvSpPr>
+          <p:spPr>
+            <a:xfrm>
+              <a:off x="8358342" y="16571260"/>
+              <a:ext cx="6546647" cy="587082"/>
+            </a:xfrm>
+            <a:prstGeom prst="rect">
+              <a:avLst/>
+            </a:prstGeom>
+            <a:solidFill>
+              <a:srgbClr val="D8C99B"/>
+            </a:solidFill>
+            <a:ln>
+              <a:noFill/>
+            </a:ln>
+          </p:spPr>
+          <p:style>
+            <a:lnRef idx="2">
+              <a:schemeClr val="accent1">
+                <a:shade val="15000"/>
+              </a:schemeClr>
+            </a:lnRef>
+            <a:fillRef idx="1">
+              <a:schemeClr val="accent1"/>
+            </a:fillRef>
+            <a:effectRef idx="0">
+              <a:schemeClr val="accent1"/>
+            </a:effectRef>
+            <a:fontRef idx="minor">
+              <a:schemeClr val="lt1"/>
+            </a:fontRef>
+          </p:style>
+          <p:txBody>
+            <a:bodyPr rtlCol="0" anchor="ctr"/>
+            <a:lstStyle/>
+            <a:p>
+              <a:r>
+                <a:rPr lang="en-GB" sz="2400" b="1" i="1" dirty="0">
+                  <a:solidFill>
+                    <a:schemeClr val="tx1"/>
+                  </a:solidFill>
+                  <a:latin typeface="Times New Roman" panose="02020603050405020304" pitchFamily="18" charset="0"/>
+                  <a:cs typeface="Times New Roman" panose="02020603050405020304" pitchFamily="18" charset="0"/>
+                </a:rPr>
+                <a:t>Stimuli</a:t>
+              </a:r>
+              <a:r>
+                <a:rPr lang="en-GB" sz="2400" b="1" dirty="0">
+                  <a:solidFill>
+                    <a:schemeClr val="tx1"/>
+                  </a:solidFill>
+                  <a:latin typeface="Times New Roman" panose="02020603050405020304" pitchFamily="18" charset="0"/>
+                  <a:cs typeface="Times New Roman" panose="02020603050405020304" pitchFamily="18" charset="0"/>
+                </a:rPr>
+                <a:t>: NEUTRAL FACES</a:t>
+              </a:r>
+              <a:endParaRPr lang="en-GB" sz="1400" b="1" dirty="0">
+                <a:solidFill>
+                  <a:schemeClr val="tx1"/>
+                </a:solidFill>
+                <a:latin typeface="Times New Roman" panose="02020603050405020304" pitchFamily="18" charset="0"/>
+                <a:cs typeface="Times New Roman" panose="02020603050405020304" pitchFamily="18" charset="0"/>
+              </a:endParaRPr>
+            </a:p>
+          </p:txBody>
+        </p:sp>
+        <p:sp>
+          <p:nvSpPr>
+            <p:cNvPr id="1323" name="Rectangle 1322">
+              <a:extLst>
+                <a:ext uri="{FF2B5EF4-FFF2-40B4-BE49-F238E27FC236}">
+                  <a16:creationId xmlns:a16="http://schemas.microsoft.com/office/drawing/2014/main" id="{E220C80C-B8B8-9A3D-8AAE-2687F0BFFD98}"/>
+                </a:ext>
+              </a:extLst>
+            </p:cNvPr>
+            <p:cNvSpPr/>
+            <p:nvPr/>
+          </p:nvSpPr>
+          <p:spPr>
+            <a:xfrm rot="16200000">
+              <a:off x="-4885102" y="16241310"/>
+              <a:ext cx="10740259" cy="668653"/>
+            </a:xfrm>
+            <a:prstGeom prst="rect">
+              <a:avLst/>
+            </a:prstGeom>
+            <a:solidFill>
+              <a:schemeClr val="accent1">
+                <a:lumMod val="75000"/>
+              </a:schemeClr>
+            </a:solidFill>
+          </p:spPr>
+          <p:style>
+            <a:lnRef idx="2">
+              <a:schemeClr val="accent1">
+                <a:shade val="15000"/>
+              </a:schemeClr>
+            </a:lnRef>
+            <a:fillRef idx="1">
+              <a:schemeClr val="accent1"/>
+            </a:fillRef>
+            <a:effectRef idx="0">
+              <a:schemeClr val="accent1"/>
+            </a:effectRef>
+            <a:fontRef idx="minor">
+              <a:schemeClr val="lt1"/>
+            </a:fontRef>
+          </p:style>
+          <p:txBody>
+            <a:bodyPr rtlCol="0" anchor="ctr"/>
+            <a:lstStyle/>
+            <a:p>
+              <a:pPr algn="ctr"/>
+              <a:r>
+                <a:rPr lang="en-GB" sz="3200" b="1" dirty="0"/>
+                <a:t>METHODS</a:t>
+              </a:r>
+            </a:p>
+          </p:txBody>
+        </p:sp>
+        <p:sp>
+          <p:nvSpPr>
+            <p:cNvPr id="1324" name="Rectangle 1323">
+              <a:extLst>
+                <a:ext uri="{FF2B5EF4-FFF2-40B4-BE49-F238E27FC236}">
+                  <a16:creationId xmlns:a16="http://schemas.microsoft.com/office/drawing/2014/main" id="{0F9D0FFF-52D5-7438-F3BE-A2C80CD7E1FE}"/>
+                </a:ext>
+              </a:extLst>
+            </p:cNvPr>
+            <p:cNvSpPr/>
+            <p:nvPr/>
+          </p:nvSpPr>
+          <p:spPr>
+            <a:xfrm>
+              <a:off x="883398" y="11211588"/>
+              <a:ext cx="6802943" cy="6295361"/>
+            </a:xfrm>
+            <a:prstGeom prst="rect">
+              <a:avLst/>
+            </a:prstGeom>
+            <a:noFill/>
+            <a:ln w="28575">
+              <a:solidFill>
+                <a:schemeClr val="accent1">
+                  <a:lumMod val="75000"/>
+                </a:schemeClr>
+              </a:solidFill>
+              <a:prstDash val="dash"/>
+            </a:ln>
+          </p:spPr>
+          <p:style>
+            <a:lnRef idx="2">
+              <a:schemeClr val="accent1">
+                <a:shade val="15000"/>
+              </a:schemeClr>
+            </a:lnRef>
+            <a:fillRef idx="1">
+              <a:schemeClr val="accent1"/>
+            </a:fillRef>
+            <a:effectRef idx="0">
+              <a:schemeClr val="accent1"/>
+            </a:effectRef>
+            <a:fontRef idx="minor">
+              <a:schemeClr val="lt1"/>
+            </a:fontRef>
+          </p:style>
+          <p:txBody>
+            <a:bodyPr rtlCol="0" anchor="ctr"/>
+            <a:lstStyle/>
+            <a:p>
+              <a:pPr algn="ctr"/>
+              <a:endParaRPr lang="en-GB"/>
+            </a:p>
+          </p:txBody>
+        </p:sp>
+        <p:sp>
+          <p:nvSpPr>
+            <p:cNvPr id="1325" name="Rectangle 1324">
+              <a:extLst>
+                <a:ext uri="{FF2B5EF4-FFF2-40B4-BE49-F238E27FC236}">
+                  <a16:creationId xmlns:a16="http://schemas.microsoft.com/office/drawing/2014/main" id="{9EA92BAE-CBD0-CB81-912E-F980E0257A61}"/>
+                </a:ext>
+              </a:extLst>
+            </p:cNvPr>
+            <p:cNvSpPr/>
+            <p:nvPr/>
+          </p:nvSpPr>
+          <p:spPr>
+            <a:xfrm>
+              <a:off x="8231776" y="11211588"/>
+              <a:ext cx="6802943" cy="6295361"/>
+            </a:xfrm>
+            <a:prstGeom prst="rect">
+              <a:avLst/>
+            </a:prstGeom>
+            <a:noFill/>
+            <a:ln w="28575">
+              <a:prstDash val="dash"/>
+            </a:ln>
+          </p:spPr>
+          <p:style>
+            <a:lnRef idx="2">
+              <a:schemeClr val="accent1">
+                <a:shade val="15000"/>
+              </a:schemeClr>
+            </a:lnRef>
+            <a:fillRef idx="1">
+              <a:schemeClr val="accent1"/>
+            </a:fillRef>
+            <a:effectRef idx="0">
+              <a:schemeClr val="accent1"/>
+            </a:effectRef>
+            <a:fontRef idx="minor">
+              <a:schemeClr val="lt1"/>
+            </a:fontRef>
+          </p:style>
+          <p:txBody>
+            <a:bodyPr rtlCol="0" anchor="ctr"/>
+            <a:lstStyle/>
+            <a:p>
+              <a:pPr algn="ctr"/>
+              <a:endParaRPr lang="en-GB"/>
+            </a:p>
+          </p:txBody>
+        </p:sp>
+        <p:sp>
+          <p:nvSpPr>
+            <p:cNvPr id="1326" name="Rectangle 1325">
+              <a:extLst>
+                <a:ext uri="{FF2B5EF4-FFF2-40B4-BE49-F238E27FC236}">
+                  <a16:creationId xmlns:a16="http://schemas.microsoft.com/office/drawing/2014/main" id="{D237ED28-B318-9FF0-44B7-707ABA56FB05}"/>
+                </a:ext>
+              </a:extLst>
+            </p:cNvPr>
+            <p:cNvSpPr/>
+            <p:nvPr/>
+          </p:nvSpPr>
+          <p:spPr>
+            <a:xfrm>
+              <a:off x="15629630" y="11206870"/>
+              <a:ext cx="6802943" cy="6295361"/>
+            </a:xfrm>
+            <a:prstGeom prst="rect">
+              <a:avLst/>
+            </a:prstGeom>
+            <a:noFill/>
+            <a:ln w="28575">
+              <a:prstDash val="dash"/>
+            </a:ln>
+          </p:spPr>
+          <p:style>
+            <a:lnRef idx="2">
+              <a:schemeClr val="accent1">
+                <a:shade val="15000"/>
+              </a:schemeClr>
+            </a:lnRef>
+            <a:fillRef idx="1">
+              <a:schemeClr val="accent1"/>
+            </a:fillRef>
+            <a:effectRef idx="0">
+              <a:schemeClr val="accent1"/>
+            </a:effectRef>
+            <a:fontRef idx="minor">
+              <a:schemeClr val="lt1"/>
+            </a:fontRef>
+          </p:style>
+          <p:txBody>
+            <a:bodyPr rtlCol="0" anchor="ctr"/>
+            <a:lstStyle/>
+            <a:p>
+              <a:pPr algn="ctr"/>
+              <a:endParaRPr lang="en-GB"/>
+            </a:p>
+          </p:txBody>
+        </p:sp>
+        <p:sp>
+          <p:nvSpPr>
+            <p:cNvPr id="1327" name="Rectangle 1326">
+              <a:extLst>
+                <a:ext uri="{FF2B5EF4-FFF2-40B4-BE49-F238E27FC236}">
+                  <a16:creationId xmlns:a16="http://schemas.microsoft.com/office/drawing/2014/main" id="{00118BB1-1EDA-1DEB-F206-EB3FBCF2DC10}"/>
+                </a:ext>
+              </a:extLst>
+            </p:cNvPr>
+            <p:cNvSpPr/>
+            <p:nvPr/>
+          </p:nvSpPr>
+          <p:spPr>
+            <a:xfrm>
+              <a:off x="22771274" y="11205508"/>
+              <a:ext cx="6802943" cy="6295361"/>
+            </a:xfrm>
+            <a:prstGeom prst="rect">
+              <a:avLst/>
+            </a:prstGeom>
+            <a:noFill/>
+            <a:ln w="28575">
+              <a:prstDash val="dash"/>
+            </a:ln>
+          </p:spPr>
+          <p:style>
+            <a:lnRef idx="2">
+              <a:schemeClr val="accent1">
+                <a:shade val="15000"/>
+              </a:schemeClr>
+            </a:lnRef>
+            <a:fillRef idx="1">
+              <a:schemeClr val="accent1"/>
+            </a:fillRef>
+            <a:effectRef idx="0">
+              <a:schemeClr val="accent1"/>
+            </a:effectRef>
+            <a:fontRef idx="minor">
+              <a:schemeClr val="lt1"/>
+            </a:fontRef>
+          </p:style>
+          <p:txBody>
+            <a:bodyPr rtlCol="0" anchor="ctr"/>
+            <a:lstStyle/>
+            <a:p>
+              <a:pPr algn="ctr"/>
+              <a:endParaRPr lang="en-GB"/>
+            </a:p>
+          </p:txBody>
+        </p:sp>
+      </p:grpSp>
+      <p:pic>
+        <p:nvPicPr>
+          <p:cNvPr id="1026" name="Picture 2">
+            <a:extLst>
+              <a:ext uri="{FF2B5EF4-FFF2-40B4-BE49-F238E27FC236}">
+                <a16:creationId xmlns:a16="http://schemas.microsoft.com/office/drawing/2014/main" id="{77A889ED-EECE-8400-4012-FDC8580300E1}"/>
+              </a:ext>
+            </a:extLst>
+          </p:cNvPr>
+          <p:cNvPicPr>
+            <a:picLocks noChangeAspect="1" noChangeArrowheads="1"/>
+          </p:cNvPicPr>
+          <p:nvPr/>
+        </p:nvPicPr>
+        <p:blipFill>
+          <a:blip r:embed="rId9">
+            <a:extLst>
+              <a:ext uri="{28A0092B-C50C-407E-A947-70E740481C1C}">
+                <a14:useLocalDpi xmlns:a14="http://schemas.microsoft.com/office/drawing/2010/main" val="0"/>
+              </a:ext>
+            </a:extLst>
+          </a:blip>
+          <a:srcRect/>
+          <a:stretch>
+            <a:fillRect/>
+          </a:stretch>
+        </p:blipFill>
+        <p:spPr bwMode="auto">
+          <a:xfrm>
+            <a:off x="22855189" y="26886487"/>
+            <a:ext cx="6752999" cy="6752999"/>
+          </a:xfrm>
+          <a:prstGeom prst="rect">
+            <a:avLst/>
+          </a:prstGeom>
+          <a:noFill/>
+          <a:extLst>
+            <a:ext uri="{909E8E84-426E-40DD-AFC4-6F175D3DCCD1}">
+              <a14:hiddenFill xmlns:a14="http://schemas.microsoft.com/office/drawing/2010/main">
+                <a:solidFill>
+                  <a:srgbClr val="FFFFFF"/>
+                </a:solidFill>
+              </a14:hiddenFill>
+            </a:ext>
+          </a:extLst>
+        </p:spPr>
+      </p:pic>
       <p:sp>
         <p:nvSpPr>
-          <p:cNvPr id="1323" name="Rectangle 1322">
+          <p:cNvPr id="2" name="Rectangle 1">
             <a:extLst>
               <a:ext uri="{FF2B5EF4-FFF2-40B4-BE49-F238E27FC236}">
-                <a16:creationId xmlns:a16="http://schemas.microsoft.com/office/drawing/2014/main" id="{E220C80C-B8B8-9A3D-8AAE-2687F0BFFD98}"/>
+                <a16:creationId xmlns:a16="http://schemas.microsoft.com/office/drawing/2014/main" id="{15E2C4DE-22EF-5EB3-9E2B-23C350ADF41D}"/>
               </a:ext>
             </a:extLst>
           </p:cNvPr>
@@ -8913,8 +9206,8 @@
         </p:nvSpPr>
         <p:spPr>
           <a:xfrm rot="16200000">
-            <a:off x="-2669944" y="14104449"/>
-            <a:ext cx="6272533" cy="532467"/>
+            <a:off x="-6060160" y="29685343"/>
+            <a:ext cx="13056336" cy="532467"/>
           </a:xfrm>
           <a:prstGeom prst="rect">
             <a:avLst/>
@@ -8948,216 +9241,47 @@
             <a:pPr algn="ctr"/>
             <a:r>
               <a:rPr lang="en-GB" sz="3200" b="1" dirty="0"/>
-              <a:t>METHODS</a:t>
+              <a:t>RESULTS</a:t>
             </a:r>
           </a:p>
         </p:txBody>
       </p:sp>
-      <p:sp>
-        <p:nvSpPr>
-          <p:cNvPr id="1324" name="Rectangle 1323">
+      <p:pic>
+        <p:nvPicPr>
+          <p:cNvPr id="7" name="Picture 6" descr="A screenshot of a graph&#10;&#10;AI-generated content may be incorrect.">
             <a:extLst>
               <a:ext uri="{FF2B5EF4-FFF2-40B4-BE49-F238E27FC236}">
-                <a16:creationId xmlns:a16="http://schemas.microsoft.com/office/drawing/2014/main" id="{0F9D0FFF-52D5-7438-F3BE-A2C80CD7E1FE}"/>
+                <a16:creationId xmlns:a16="http://schemas.microsoft.com/office/drawing/2014/main" id="{D84C3466-D395-6F37-35A2-764EC3B8753A}"/>
               </a:ext>
             </a:extLst>
           </p:cNvPr>
-          <p:cNvSpPr/>
+          <p:cNvPicPr>
+            <a:picLocks noChangeAspect="1"/>
+          </p:cNvPicPr>
           <p:nvPr/>
-        </p:nvSpPr>
+        </p:nvPicPr>
+        <p:blipFill>
+          <a:blip r:embed="rId10">
+            <a:extLst>
+              <a:ext uri="{28A0092B-C50C-407E-A947-70E740481C1C}">
+                <a14:useLocalDpi xmlns:a14="http://schemas.microsoft.com/office/drawing/2010/main" val="0"/>
+              </a:ext>
+            </a:extLst>
+          </a:blip>
+          <a:stretch>
+            <a:fillRect/>
+          </a:stretch>
+        </p:blipFill>
         <p:spPr>
           <a:xfrm>
-            <a:off x="883398" y="11211588"/>
-            <a:ext cx="6802943" cy="6295361"/>
+            <a:off x="8188059" y="27475017"/>
+            <a:ext cx="7659169" cy="6192114"/>
           </a:xfrm>
           <a:prstGeom prst="rect">
             <a:avLst/>
           </a:prstGeom>
-          <a:noFill/>
-          <a:ln w="28575">
-            <a:solidFill>
-              <a:schemeClr val="accent1">
-                <a:lumMod val="75000"/>
-              </a:schemeClr>
-            </a:solidFill>
-            <a:prstDash val="dash"/>
-          </a:ln>
         </p:spPr>
-        <p:style>
-          <a:lnRef idx="2">
-            <a:schemeClr val="accent1">
-              <a:shade val="15000"/>
-            </a:schemeClr>
-          </a:lnRef>
-          <a:fillRef idx="1">
-            <a:schemeClr val="accent1"/>
-          </a:fillRef>
-          <a:effectRef idx="0">
-            <a:schemeClr val="accent1"/>
-          </a:effectRef>
-          <a:fontRef idx="minor">
-            <a:schemeClr val="lt1"/>
-          </a:fontRef>
-        </p:style>
-        <p:txBody>
-          <a:bodyPr rtlCol="0" anchor="ctr"/>
-          <a:lstStyle/>
-          <a:p>
-            <a:pPr algn="ctr"/>
-            <a:endParaRPr lang="en-GB"/>
-          </a:p>
-        </p:txBody>
-      </p:sp>
-      <p:sp>
-        <p:nvSpPr>
-          <p:cNvPr id="1325" name="Rectangle 1324">
-            <a:extLst>
-              <a:ext uri="{FF2B5EF4-FFF2-40B4-BE49-F238E27FC236}">
-                <a16:creationId xmlns:a16="http://schemas.microsoft.com/office/drawing/2014/main" id="{9EA92BAE-CBD0-CB81-912E-F980E0257A61}"/>
-              </a:ext>
-            </a:extLst>
-          </p:cNvPr>
-          <p:cNvSpPr/>
-          <p:nvPr/>
-        </p:nvSpPr>
-        <p:spPr>
-          <a:xfrm>
-            <a:off x="8231776" y="11211588"/>
-            <a:ext cx="6802943" cy="6295361"/>
-          </a:xfrm>
-          <a:prstGeom prst="rect">
-            <a:avLst/>
-          </a:prstGeom>
-          <a:noFill/>
-          <a:ln w="28575">
-            <a:prstDash val="dash"/>
-          </a:ln>
-        </p:spPr>
-        <p:style>
-          <a:lnRef idx="2">
-            <a:schemeClr val="accent1">
-              <a:shade val="15000"/>
-            </a:schemeClr>
-          </a:lnRef>
-          <a:fillRef idx="1">
-            <a:schemeClr val="accent1"/>
-          </a:fillRef>
-          <a:effectRef idx="0">
-            <a:schemeClr val="accent1"/>
-          </a:effectRef>
-          <a:fontRef idx="minor">
-            <a:schemeClr val="lt1"/>
-          </a:fontRef>
-        </p:style>
-        <p:txBody>
-          <a:bodyPr rtlCol="0" anchor="ctr"/>
-          <a:lstStyle/>
-          <a:p>
-            <a:pPr algn="ctr"/>
-            <a:endParaRPr lang="en-GB"/>
-          </a:p>
-        </p:txBody>
-      </p:sp>
-      <p:sp>
-        <p:nvSpPr>
-          <p:cNvPr id="1326" name="Rectangle 1325">
-            <a:extLst>
-              <a:ext uri="{FF2B5EF4-FFF2-40B4-BE49-F238E27FC236}">
-                <a16:creationId xmlns:a16="http://schemas.microsoft.com/office/drawing/2014/main" id="{D237ED28-B318-9FF0-44B7-707ABA56FB05}"/>
-              </a:ext>
-            </a:extLst>
-          </p:cNvPr>
-          <p:cNvSpPr/>
-          <p:nvPr/>
-        </p:nvSpPr>
-        <p:spPr>
-          <a:xfrm>
-            <a:off x="15629630" y="11206870"/>
-            <a:ext cx="6802943" cy="6295361"/>
-          </a:xfrm>
-          <a:prstGeom prst="rect">
-            <a:avLst/>
-          </a:prstGeom>
-          <a:noFill/>
-          <a:ln w="28575">
-            <a:prstDash val="dash"/>
-          </a:ln>
-        </p:spPr>
-        <p:style>
-          <a:lnRef idx="2">
-            <a:schemeClr val="accent1">
-              <a:shade val="15000"/>
-            </a:schemeClr>
-          </a:lnRef>
-          <a:fillRef idx="1">
-            <a:schemeClr val="accent1"/>
-          </a:fillRef>
-          <a:effectRef idx="0">
-            <a:schemeClr val="accent1"/>
-          </a:effectRef>
-          <a:fontRef idx="minor">
-            <a:schemeClr val="lt1"/>
-          </a:fontRef>
-        </p:style>
-        <p:txBody>
-          <a:bodyPr rtlCol="0" anchor="ctr"/>
-          <a:lstStyle/>
-          <a:p>
-            <a:pPr algn="ctr"/>
-            <a:endParaRPr lang="en-GB"/>
-          </a:p>
-        </p:txBody>
-      </p:sp>
-      <p:sp>
-        <p:nvSpPr>
-          <p:cNvPr id="1327" name="Rectangle 1326">
-            <a:extLst>
-              <a:ext uri="{FF2B5EF4-FFF2-40B4-BE49-F238E27FC236}">
-                <a16:creationId xmlns:a16="http://schemas.microsoft.com/office/drawing/2014/main" id="{00118BB1-1EDA-1DEB-F206-EB3FBCF2DC10}"/>
-              </a:ext>
-            </a:extLst>
-          </p:cNvPr>
-          <p:cNvSpPr/>
-          <p:nvPr/>
-        </p:nvSpPr>
-        <p:spPr>
-          <a:xfrm>
-            <a:off x="22771274" y="11205508"/>
-            <a:ext cx="6802943" cy="6295361"/>
-          </a:xfrm>
-          <a:prstGeom prst="rect">
-            <a:avLst/>
-          </a:prstGeom>
-          <a:noFill/>
-          <a:ln w="28575">
-            <a:prstDash val="dash"/>
-          </a:ln>
-        </p:spPr>
-        <p:style>
-          <a:lnRef idx="2">
-            <a:schemeClr val="accent1">
-              <a:shade val="15000"/>
-            </a:schemeClr>
-          </a:lnRef>
-          <a:fillRef idx="1">
-            <a:schemeClr val="accent1"/>
-          </a:fillRef>
-          <a:effectRef idx="0">
-            <a:schemeClr val="accent1"/>
-          </a:effectRef>
-          <a:fontRef idx="minor">
-            <a:schemeClr val="lt1"/>
-          </a:fontRef>
-        </p:style>
-        <p:txBody>
-          <a:bodyPr rtlCol="0" anchor="ctr"/>
-          <a:lstStyle/>
-          <a:p>
-            <a:pPr algn="ctr"/>
-            <a:endParaRPr lang="en-GB"/>
-          </a:p>
-        </p:txBody>
-      </p:sp>
+      </p:pic>
     </p:spTree>
     <p:extLst>
       <p:ext uri="{BB962C8B-B14F-4D97-AF65-F5344CB8AC3E}">
